--- a/presentation/FinalProjectSlides_e63_2018_WY.pptx
+++ b/presentation/FinalProjectSlides_e63_2018_WY.pptx
@@ -11,6 +11,17 @@
     <p:sldId id="256" r:id="rId6"/>
     <p:sldId id="257" r:id="rId7"/>
     <p:sldId id="258" r:id="rId8"/>
+    <p:sldId id="259" r:id="rId9"/>
+    <p:sldId id="260" r:id="rId10"/>
+    <p:sldId id="261" r:id="rId11"/>
+    <p:sldId id="262" r:id="rId12"/>
+    <p:sldId id="263" r:id="rId13"/>
+    <p:sldId id="264" r:id="rId14"/>
+    <p:sldId id="265" r:id="rId15"/>
+    <p:sldId id="266" r:id="rId16"/>
+    <p:sldId id="267" r:id="rId17"/>
+    <p:sldId id="268" r:id="rId18"/>
+    <p:sldId id="269" r:id="rId19"/>
   </p:sldIdLst>
   <p:sldSz cy="6858000" cx="9144000"/>
   <p:notesSz cx="6858000" cy="9144000"/>
@@ -1579,6 +1590,501 @@
 </p:notes>
 </file>
 
+<file path=ppt/notesSlides/notesSlide10.xml><?xml version="1.0" encoding="utf-8"?>
+<p:notes xmlns:a="http://schemas.openxmlformats.org/drawingml/2006/main" xmlns:r="http://schemas.openxmlformats.org/officeDocument/2006/relationships" xmlns:mc="http://schemas.openxmlformats.org/markup-compatibility/2006" xmlns:mv="urn:schemas-microsoft-com:mac:vml" xmlns:p="http://schemas.openxmlformats.org/presentationml/2006/main" xmlns:c="http://schemas.openxmlformats.org/drawingml/2006/chart" xmlns:dgm="http://schemas.openxmlformats.org/drawingml/2006/diagram" xmlns:o="urn:schemas-microsoft-com:office:office" xmlns:v="urn:schemas-microsoft-com:vml" xmlns:pvml="urn:schemas-microsoft-com:office:powerpoint" xmlns:com="http://schemas.openxmlformats.org/drawingml/2006/compatibility" xmlns:p14="http://schemas.microsoft.com/office/powerpoint/2010/main" xmlns:p15="http://schemas.microsoft.com/office/powerpoint/2012/main" showMasterPhAnim="0" showMasterSp="0">
+  <p:cSld>
+    <p:spTree>
+      <p:nvGrpSpPr>
+        <p:cNvPr id="180" name="Shape 180"/>
+        <p:cNvGrpSpPr/>
+        <p:nvPr/>
+      </p:nvGrpSpPr>
+      <p:grpSpPr>
+        <a:xfrm>
+          <a:off x="0" y="0"/>
+          <a:ext cx="0" cy="0"/>
+          <a:chOff x="0" y="0"/>
+          <a:chExt cx="0" cy="0"/>
+        </a:xfrm>
+      </p:grpSpPr>
+      <p:sp>
+        <p:nvSpPr>
+          <p:cNvPr id="181" name="Google Shape;181;g48996a2683_0_55:notes"/>
+          <p:cNvSpPr txBox="1"/>
+          <p:nvPr>
+            <p:ph idx="1" type="body"/>
+          </p:nvPr>
+        </p:nvSpPr>
+        <p:spPr>
+          <a:xfrm>
+            <a:off x="685800" y="4343400"/>
+            <a:ext cx="5486400" cy="4114800"/>
+          </a:xfrm>
+          <a:prstGeom prst="rect">
+            <a:avLst/>
+          </a:prstGeom>
+        </p:spPr>
+        <p:txBody>
+          <a:bodyPr anchorCtr="0" anchor="t" bIns="45700" lIns="91425" spcFirstLastPara="1" rIns="91425" wrap="square" tIns="45700">
+            <a:noAutofit/>
+          </a:bodyPr>
+          <a:lstStyle/>
+          <a:p>
+            <a:pPr indent="0" lvl="0" marL="0" rtl="0" algn="l">
+              <a:spcBef>
+                <a:spcPts val="360"/>
+              </a:spcBef>
+              <a:spcAft>
+                <a:spcPts val="0"/>
+              </a:spcAft>
+              <a:buNone/>
+            </a:pPr>
+            <a:r>
+              <a:t/>
+            </a:r>
+            <a:endParaRPr/>
+          </a:p>
+        </p:txBody>
+      </p:sp>
+      <p:sp>
+        <p:nvSpPr>
+          <p:cNvPr id="182" name="Google Shape;182;g48996a2683_0_55:notes"/>
+          <p:cNvSpPr/>
+          <p:nvPr>
+            <p:ph idx="2" type="sldImg"/>
+          </p:nvPr>
+        </p:nvSpPr>
+        <p:spPr>
+          <a:xfrm>
+            <a:off x="1143000" y="685800"/>
+            <a:ext cx="4572000" cy="3429000"/>
+          </a:xfrm>
+          <a:custGeom>
+            <a:rect b="b" l="l" r="r" t="t"/>
+            <a:pathLst>
+              <a:path extrusionOk="0" h="120000" w="120000">
+                <a:moveTo>
+                  <a:pt x="0" y="0"/>
+                </a:moveTo>
+                <a:lnTo>
+                  <a:pt x="120000" y="0"/>
+                </a:lnTo>
+                <a:lnTo>
+                  <a:pt x="120000" y="120000"/>
+                </a:lnTo>
+                <a:lnTo>
+                  <a:pt x="0" y="120000"/>
+                </a:lnTo>
+                <a:close/>
+              </a:path>
+            </a:pathLst>
+          </a:custGeom>
+        </p:spPr>
+      </p:sp>
+    </p:spTree>
+  </p:cSld>
+  <p:clrMapOvr>
+    <a:masterClrMapping/>
+  </p:clrMapOvr>
+</p:notes>
+</file>
+
+<file path=ppt/notesSlides/notesSlide11.xml><?xml version="1.0" encoding="utf-8"?>
+<p:notes xmlns:a="http://schemas.openxmlformats.org/drawingml/2006/main" xmlns:r="http://schemas.openxmlformats.org/officeDocument/2006/relationships" xmlns:mc="http://schemas.openxmlformats.org/markup-compatibility/2006" xmlns:mv="urn:schemas-microsoft-com:mac:vml" xmlns:p="http://schemas.openxmlformats.org/presentationml/2006/main" xmlns:c="http://schemas.openxmlformats.org/drawingml/2006/chart" xmlns:dgm="http://schemas.openxmlformats.org/drawingml/2006/diagram" xmlns:o="urn:schemas-microsoft-com:office:office" xmlns:v="urn:schemas-microsoft-com:vml" xmlns:pvml="urn:schemas-microsoft-com:office:powerpoint" xmlns:com="http://schemas.openxmlformats.org/drawingml/2006/compatibility" xmlns:p14="http://schemas.microsoft.com/office/powerpoint/2010/main" xmlns:p15="http://schemas.microsoft.com/office/powerpoint/2012/main" showMasterPhAnim="0" showMasterSp="0">
+  <p:cSld>
+    <p:spTree>
+      <p:nvGrpSpPr>
+        <p:cNvPr id="189" name="Shape 189"/>
+        <p:cNvGrpSpPr/>
+        <p:nvPr/>
+      </p:nvGrpSpPr>
+      <p:grpSpPr>
+        <a:xfrm>
+          <a:off x="0" y="0"/>
+          <a:ext cx="0" cy="0"/>
+          <a:chOff x="0" y="0"/>
+          <a:chExt cx="0" cy="0"/>
+        </a:xfrm>
+      </p:grpSpPr>
+      <p:sp>
+        <p:nvSpPr>
+          <p:cNvPr id="190" name="Google Shape;190;g48996a2683_0_64:notes"/>
+          <p:cNvSpPr txBox="1"/>
+          <p:nvPr>
+            <p:ph idx="1" type="body"/>
+          </p:nvPr>
+        </p:nvSpPr>
+        <p:spPr>
+          <a:xfrm>
+            <a:off x="685800" y="4343400"/>
+            <a:ext cx="5486400" cy="4114800"/>
+          </a:xfrm>
+          <a:prstGeom prst="rect">
+            <a:avLst/>
+          </a:prstGeom>
+        </p:spPr>
+        <p:txBody>
+          <a:bodyPr anchorCtr="0" anchor="t" bIns="45700" lIns="91425" spcFirstLastPara="1" rIns="91425" wrap="square" tIns="45700">
+            <a:noAutofit/>
+          </a:bodyPr>
+          <a:lstStyle/>
+          <a:p>
+            <a:pPr indent="0" lvl="0" marL="0" rtl="0" algn="l">
+              <a:spcBef>
+                <a:spcPts val="360"/>
+              </a:spcBef>
+              <a:spcAft>
+                <a:spcPts val="0"/>
+              </a:spcAft>
+              <a:buNone/>
+            </a:pPr>
+            <a:r>
+              <a:t/>
+            </a:r>
+            <a:endParaRPr/>
+          </a:p>
+        </p:txBody>
+      </p:sp>
+      <p:sp>
+        <p:nvSpPr>
+          <p:cNvPr id="191" name="Google Shape;191;g48996a2683_0_64:notes"/>
+          <p:cNvSpPr/>
+          <p:nvPr>
+            <p:ph idx="2" type="sldImg"/>
+          </p:nvPr>
+        </p:nvSpPr>
+        <p:spPr>
+          <a:xfrm>
+            <a:off x="1143000" y="685800"/>
+            <a:ext cx="4572000" cy="3429000"/>
+          </a:xfrm>
+          <a:custGeom>
+            <a:rect b="b" l="l" r="r" t="t"/>
+            <a:pathLst>
+              <a:path extrusionOk="0" h="120000" w="120000">
+                <a:moveTo>
+                  <a:pt x="0" y="0"/>
+                </a:moveTo>
+                <a:lnTo>
+                  <a:pt x="120000" y="0"/>
+                </a:lnTo>
+                <a:lnTo>
+                  <a:pt x="120000" y="120000"/>
+                </a:lnTo>
+                <a:lnTo>
+                  <a:pt x="0" y="120000"/>
+                </a:lnTo>
+                <a:close/>
+              </a:path>
+            </a:pathLst>
+          </a:custGeom>
+        </p:spPr>
+      </p:sp>
+    </p:spTree>
+  </p:cSld>
+  <p:clrMapOvr>
+    <a:masterClrMapping/>
+  </p:clrMapOvr>
+</p:notes>
+</file>
+
+<file path=ppt/notesSlides/notesSlide12.xml><?xml version="1.0" encoding="utf-8"?>
+<p:notes xmlns:a="http://schemas.openxmlformats.org/drawingml/2006/main" xmlns:r="http://schemas.openxmlformats.org/officeDocument/2006/relationships" xmlns:mc="http://schemas.openxmlformats.org/markup-compatibility/2006" xmlns:mv="urn:schemas-microsoft-com:mac:vml" xmlns:p="http://schemas.openxmlformats.org/presentationml/2006/main" xmlns:c="http://schemas.openxmlformats.org/drawingml/2006/chart" xmlns:dgm="http://schemas.openxmlformats.org/drawingml/2006/diagram" xmlns:o="urn:schemas-microsoft-com:office:office" xmlns:v="urn:schemas-microsoft-com:vml" xmlns:pvml="urn:schemas-microsoft-com:office:powerpoint" xmlns:com="http://schemas.openxmlformats.org/drawingml/2006/compatibility" xmlns:p14="http://schemas.microsoft.com/office/powerpoint/2010/main" xmlns:p15="http://schemas.microsoft.com/office/powerpoint/2012/main" showMasterPhAnim="0" showMasterSp="0">
+  <p:cSld>
+    <p:spTree>
+      <p:nvGrpSpPr>
+        <p:cNvPr id="198" name="Shape 198"/>
+        <p:cNvGrpSpPr/>
+        <p:nvPr/>
+      </p:nvGrpSpPr>
+      <p:grpSpPr>
+        <a:xfrm>
+          <a:off x="0" y="0"/>
+          <a:ext cx="0" cy="0"/>
+          <a:chOff x="0" y="0"/>
+          <a:chExt cx="0" cy="0"/>
+        </a:xfrm>
+      </p:grpSpPr>
+      <p:sp>
+        <p:nvSpPr>
+          <p:cNvPr id="199" name="Google Shape;199;g48996a2683_0_85:notes"/>
+          <p:cNvSpPr txBox="1"/>
+          <p:nvPr>
+            <p:ph idx="1" type="body"/>
+          </p:nvPr>
+        </p:nvSpPr>
+        <p:spPr>
+          <a:xfrm>
+            <a:off x="685800" y="4343400"/>
+            <a:ext cx="5486400" cy="4114800"/>
+          </a:xfrm>
+          <a:prstGeom prst="rect">
+            <a:avLst/>
+          </a:prstGeom>
+        </p:spPr>
+        <p:txBody>
+          <a:bodyPr anchorCtr="0" anchor="t" bIns="45700" lIns="91425" spcFirstLastPara="1" rIns="91425" wrap="square" tIns="45700">
+            <a:noAutofit/>
+          </a:bodyPr>
+          <a:lstStyle/>
+          <a:p>
+            <a:pPr indent="0" lvl="0" marL="0" rtl="0" algn="l">
+              <a:spcBef>
+                <a:spcPts val="360"/>
+              </a:spcBef>
+              <a:spcAft>
+                <a:spcPts val="0"/>
+              </a:spcAft>
+              <a:buNone/>
+            </a:pPr>
+            <a:r>
+              <a:t/>
+            </a:r>
+            <a:endParaRPr/>
+          </a:p>
+        </p:txBody>
+      </p:sp>
+      <p:sp>
+        <p:nvSpPr>
+          <p:cNvPr id="200" name="Google Shape;200;g48996a2683_0_85:notes"/>
+          <p:cNvSpPr/>
+          <p:nvPr>
+            <p:ph idx="2" type="sldImg"/>
+          </p:nvPr>
+        </p:nvSpPr>
+        <p:spPr>
+          <a:xfrm>
+            <a:off x="1143000" y="685800"/>
+            <a:ext cx="4572000" cy="3429000"/>
+          </a:xfrm>
+          <a:custGeom>
+            <a:rect b="b" l="l" r="r" t="t"/>
+            <a:pathLst>
+              <a:path extrusionOk="0" h="120000" w="120000">
+                <a:moveTo>
+                  <a:pt x="0" y="0"/>
+                </a:moveTo>
+                <a:lnTo>
+                  <a:pt x="120000" y="0"/>
+                </a:lnTo>
+                <a:lnTo>
+                  <a:pt x="120000" y="120000"/>
+                </a:lnTo>
+                <a:lnTo>
+                  <a:pt x="0" y="120000"/>
+                </a:lnTo>
+                <a:close/>
+              </a:path>
+            </a:pathLst>
+          </a:custGeom>
+        </p:spPr>
+      </p:sp>
+    </p:spTree>
+  </p:cSld>
+  <p:clrMapOvr>
+    <a:masterClrMapping/>
+  </p:clrMapOvr>
+</p:notes>
+</file>
+
+<file path=ppt/notesSlides/notesSlide13.xml><?xml version="1.0" encoding="utf-8"?>
+<p:notes xmlns:a="http://schemas.openxmlformats.org/drawingml/2006/main" xmlns:r="http://schemas.openxmlformats.org/officeDocument/2006/relationships" xmlns:mc="http://schemas.openxmlformats.org/markup-compatibility/2006" xmlns:mv="urn:schemas-microsoft-com:mac:vml" xmlns:p="http://schemas.openxmlformats.org/presentationml/2006/main" xmlns:c="http://schemas.openxmlformats.org/drawingml/2006/chart" xmlns:dgm="http://schemas.openxmlformats.org/drawingml/2006/diagram" xmlns:o="urn:schemas-microsoft-com:office:office" xmlns:v="urn:schemas-microsoft-com:vml" xmlns:pvml="urn:schemas-microsoft-com:office:powerpoint" xmlns:com="http://schemas.openxmlformats.org/drawingml/2006/compatibility" xmlns:p14="http://schemas.microsoft.com/office/powerpoint/2010/main" xmlns:p15="http://schemas.microsoft.com/office/powerpoint/2012/main" showMasterPhAnim="0" showMasterSp="0">
+  <p:cSld>
+    <p:spTree>
+      <p:nvGrpSpPr>
+        <p:cNvPr id="208" name="Shape 208"/>
+        <p:cNvGrpSpPr/>
+        <p:nvPr/>
+      </p:nvGrpSpPr>
+      <p:grpSpPr>
+        <a:xfrm>
+          <a:off x="0" y="0"/>
+          <a:ext cx="0" cy="0"/>
+          <a:chOff x="0" y="0"/>
+          <a:chExt cx="0" cy="0"/>
+        </a:xfrm>
+      </p:grpSpPr>
+      <p:sp>
+        <p:nvSpPr>
+          <p:cNvPr id="209" name="Google Shape;209;g48996a2683_0_96:notes"/>
+          <p:cNvSpPr txBox="1"/>
+          <p:nvPr>
+            <p:ph idx="1" type="body"/>
+          </p:nvPr>
+        </p:nvSpPr>
+        <p:spPr>
+          <a:xfrm>
+            <a:off x="685800" y="4343400"/>
+            <a:ext cx="5486400" cy="4114800"/>
+          </a:xfrm>
+          <a:prstGeom prst="rect">
+            <a:avLst/>
+          </a:prstGeom>
+        </p:spPr>
+        <p:txBody>
+          <a:bodyPr anchorCtr="0" anchor="t" bIns="45700" lIns="91425" spcFirstLastPara="1" rIns="91425" wrap="square" tIns="45700">
+            <a:noAutofit/>
+          </a:bodyPr>
+          <a:lstStyle/>
+          <a:p>
+            <a:pPr indent="0" lvl="0" marL="0" rtl="0" algn="l">
+              <a:spcBef>
+                <a:spcPts val="360"/>
+              </a:spcBef>
+              <a:spcAft>
+                <a:spcPts val="0"/>
+              </a:spcAft>
+              <a:buNone/>
+            </a:pPr>
+            <a:r>
+              <a:t/>
+            </a:r>
+            <a:endParaRPr/>
+          </a:p>
+        </p:txBody>
+      </p:sp>
+      <p:sp>
+        <p:nvSpPr>
+          <p:cNvPr id="210" name="Google Shape;210;g48996a2683_0_96:notes"/>
+          <p:cNvSpPr/>
+          <p:nvPr>
+            <p:ph idx="2" type="sldImg"/>
+          </p:nvPr>
+        </p:nvSpPr>
+        <p:spPr>
+          <a:xfrm>
+            <a:off x="1143000" y="685800"/>
+            <a:ext cx="4572000" cy="3429000"/>
+          </a:xfrm>
+          <a:custGeom>
+            <a:rect b="b" l="l" r="r" t="t"/>
+            <a:pathLst>
+              <a:path extrusionOk="0" h="120000" w="120000">
+                <a:moveTo>
+                  <a:pt x="0" y="0"/>
+                </a:moveTo>
+                <a:lnTo>
+                  <a:pt x="120000" y="0"/>
+                </a:lnTo>
+                <a:lnTo>
+                  <a:pt x="120000" y="120000"/>
+                </a:lnTo>
+                <a:lnTo>
+                  <a:pt x="0" y="120000"/>
+                </a:lnTo>
+                <a:close/>
+              </a:path>
+            </a:pathLst>
+          </a:custGeom>
+        </p:spPr>
+      </p:sp>
+    </p:spTree>
+  </p:cSld>
+  <p:clrMapOvr>
+    <a:masterClrMapping/>
+  </p:clrMapOvr>
+</p:notes>
+</file>
+
+<file path=ppt/notesSlides/notesSlide14.xml><?xml version="1.0" encoding="utf-8"?>
+<p:notes xmlns:a="http://schemas.openxmlformats.org/drawingml/2006/main" xmlns:r="http://schemas.openxmlformats.org/officeDocument/2006/relationships" xmlns:mc="http://schemas.openxmlformats.org/markup-compatibility/2006" xmlns:mv="urn:schemas-microsoft-com:mac:vml" xmlns:p="http://schemas.openxmlformats.org/presentationml/2006/main" xmlns:c="http://schemas.openxmlformats.org/drawingml/2006/chart" xmlns:dgm="http://schemas.openxmlformats.org/drawingml/2006/diagram" xmlns:o="urn:schemas-microsoft-com:office:office" xmlns:v="urn:schemas-microsoft-com:vml" xmlns:pvml="urn:schemas-microsoft-com:office:powerpoint" xmlns:com="http://schemas.openxmlformats.org/drawingml/2006/compatibility" xmlns:p14="http://schemas.microsoft.com/office/powerpoint/2010/main" xmlns:p15="http://schemas.microsoft.com/office/powerpoint/2012/main" showMasterPhAnim="0" showMasterSp="0">
+  <p:cSld>
+    <p:spTree>
+      <p:nvGrpSpPr>
+        <p:cNvPr id="218" name="Shape 218"/>
+        <p:cNvGrpSpPr/>
+        <p:nvPr/>
+      </p:nvGrpSpPr>
+      <p:grpSpPr>
+        <a:xfrm>
+          <a:off x="0" y="0"/>
+          <a:ext cx="0" cy="0"/>
+          <a:chOff x="0" y="0"/>
+          <a:chExt cx="0" cy="0"/>
+        </a:xfrm>
+      </p:grpSpPr>
+      <p:sp>
+        <p:nvSpPr>
+          <p:cNvPr id="219" name="Google Shape;219;p3:notes"/>
+          <p:cNvSpPr txBox="1"/>
+          <p:nvPr>
+            <p:ph idx="1" type="body"/>
+          </p:nvPr>
+        </p:nvSpPr>
+        <p:spPr>
+          <a:xfrm>
+            <a:off x="685800" y="4343400"/>
+            <a:ext cx="5486400" cy="4114800"/>
+          </a:xfrm>
+          <a:prstGeom prst="rect">
+            <a:avLst/>
+          </a:prstGeom>
+        </p:spPr>
+        <p:txBody>
+          <a:bodyPr anchorCtr="0" anchor="t" bIns="45700" lIns="91425" spcFirstLastPara="1" rIns="91425" wrap="square" tIns="45700">
+            <a:noAutofit/>
+          </a:bodyPr>
+          <a:lstStyle/>
+          <a:p>
+            <a:pPr indent="0" lvl="0" marL="0" rtl="0" algn="l">
+              <a:spcBef>
+                <a:spcPts val="360"/>
+              </a:spcBef>
+              <a:spcAft>
+                <a:spcPts val="0"/>
+              </a:spcAft>
+              <a:buNone/>
+            </a:pPr>
+            <a:r>
+              <a:t/>
+            </a:r>
+            <a:endParaRPr/>
+          </a:p>
+        </p:txBody>
+      </p:sp>
+      <p:sp>
+        <p:nvSpPr>
+          <p:cNvPr id="220" name="Google Shape;220;p3:notes"/>
+          <p:cNvSpPr/>
+          <p:nvPr>
+            <p:ph idx="2" type="sldImg"/>
+          </p:nvPr>
+        </p:nvSpPr>
+        <p:spPr>
+          <a:xfrm>
+            <a:off x="1143000" y="685800"/>
+            <a:ext cx="4572000" cy="3429000"/>
+          </a:xfrm>
+          <a:custGeom>
+            <a:rect b="b" l="l" r="r" t="t"/>
+            <a:pathLst>
+              <a:path extrusionOk="0" h="120000" w="120000">
+                <a:moveTo>
+                  <a:pt x="0" y="0"/>
+                </a:moveTo>
+                <a:lnTo>
+                  <a:pt x="120000" y="0"/>
+                </a:lnTo>
+                <a:lnTo>
+                  <a:pt x="120000" y="120000"/>
+                </a:lnTo>
+                <a:lnTo>
+                  <a:pt x="0" y="120000"/>
+                </a:lnTo>
+                <a:close/>
+              </a:path>
+            </a:pathLst>
+          </a:custGeom>
+        </p:spPr>
+      </p:sp>
+    </p:spTree>
+  </p:cSld>
+  <p:clrMapOvr>
+    <a:masterClrMapping/>
+  </p:clrMapOvr>
+</p:notes>
+</file>
+
 <file path=ppt/notesSlides/notesSlide2.xml><?xml version="1.0" encoding="utf-8"?>
 <p:notes xmlns:a="http://schemas.openxmlformats.org/drawingml/2006/main" xmlns:r="http://schemas.openxmlformats.org/officeDocument/2006/relationships" xmlns:mc="http://schemas.openxmlformats.org/markup-compatibility/2006" xmlns:mv="urn:schemas-microsoft-com:mac:vml" xmlns:p="http://schemas.openxmlformats.org/presentationml/2006/main" xmlns:c="http://schemas.openxmlformats.org/drawingml/2006/chart" xmlns:dgm="http://schemas.openxmlformats.org/drawingml/2006/diagram" xmlns:o="urn:schemas-microsoft-com:office:office" xmlns:v="urn:schemas-microsoft-com:vml" xmlns:pvml="urn:schemas-microsoft-com:office:powerpoint" xmlns:com="http://schemas.openxmlformats.org/drawingml/2006/compatibility" xmlns:p14="http://schemas.microsoft.com/office/powerpoint/2010/main" xmlns:p15="http://schemas.microsoft.com/office/powerpoint/2012/main" showMasterPhAnim="0" showMasterSp="0">
   <p:cSld>
@@ -1683,7 +2189,7 @@
   <p:cSld>
     <p:spTree>
       <p:nvGrpSpPr>
-        <p:cNvPr id="112" name="Shape 112"/>
+        <p:cNvPr id="114" name="Shape 114"/>
         <p:cNvGrpSpPr/>
         <p:nvPr/>
       </p:nvGrpSpPr>
@@ -1697,7 +2203,7 @@
       </p:grpSpPr>
       <p:sp>
         <p:nvSpPr>
-          <p:cNvPr id="113" name="Google Shape;113;p3:notes"/>
+          <p:cNvPr id="115" name="Google Shape;115;g48996a2683_0_0:notes"/>
           <p:cNvSpPr txBox="1"/>
           <p:nvPr>
             <p:ph idx="1" type="body"/>
@@ -1736,7 +2242,601 @@
       </p:sp>
       <p:sp>
         <p:nvSpPr>
-          <p:cNvPr id="114" name="Google Shape;114;p3:notes"/>
+          <p:cNvPr id="116" name="Google Shape;116;g48996a2683_0_0:notes"/>
+          <p:cNvSpPr/>
+          <p:nvPr>
+            <p:ph idx="2" type="sldImg"/>
+          </p:nvPr>
+        </p:nvSpPr>
+        <p:spPr>
+          <a:xfrm>
+            <a:off x="1143000" y="685800"/>
+            <a:ext cx="4572000" cy="3429000"/>
+          </a:xfrm>
+          <a:custGeom>
+            <a:rect b="b" l="l" r="r" t="t"/>
+            <a:pathLst>
+              <a:path extrusionOk="0" h="120000" w="120000">
+                <a:moveTo>
+                  <a:pt x="0" y="0"/>
+                </a:moveTo>
+                <a:lnTo>
+                  <a:pt x="120000" y="0"/>
+                </a:lnTo>
+                <a:lnTo>
+                  <a:pt x="120000" y="120000"/>
+                </a:lnTo>
+                <a:lnTo>
+                  <a:pt x="0" y="120000"/>
+                </a:lnTo>
+                <a:close/>
+              </a:path>
+            </a:pathLst>
+          </a:custGeom>
+        </p:spPr>
+      </p:sp>
+    </p:spTree>
+  </p:cSld>
+  <p:clrMapOvr>
+    <a:masterClrMapping/>
+  </p:clrMapOvr>
+</p:notes>
+</file>
+
+<file path=ppt/notesSlides/notesSlide4.xml><?xml version="1.0" encoding="utf-8"?>
+<p:notes xmlns:a="http://schemas.openxmlformats.org/drawingml/2006/main" xmlns:r="http://schemas.openxmlformats.org/officeDocument/2006/relationships" xmlns:mc="http://schemas.openxmlformats.org/markup-compatibility/2006" xmlns:mv="urn:schemas-microsoft-com:mac:vml" xmlns:p="http://schemas.openxmlformats.org/presentationml/2006/main" xmlns:c="http://schemas.openxmlformats.org/drawingml/2006/chart" xmlns:dgm="http://schemas.openxmlformats.org/drawingml/2006/diagram" xmlns:o="urn:schemas-microsoft-com:office:office" xmlns:v="urn:schemas-microsoft-com:vml" xmlns:pvml="urn:schemas-microsoft-com:office:powerpoint" xmlns:com="http://schemas.openxmlformats.org/drawingml/2006/compatibility" xmlns:p14="http://schemas.microsoft.com/office/powerpoint/2010/main" xmlns:p15="http://schemas.microsoft.com/office/powerpoint/2012/main" showMasterPhAnim="0" showMasterSp="0">
+  <p:cSld>
+    <p:spTree>
+      <p:nvGrpSpPr>
+        <p:cNvPr id="123" name="Shape 123"/>
+        <p:cNvGrpSpPr/>
+        <p:nvPr/>
+      </p:nvGrpSpPr>
+      <p:grpSpPr>
+        <a:xfrm>
+          <a:off x="0" y="0"/>
+          <a:ext cx="0" cy="0"/>
+          <a:chOff x="0" y="0"/>
+          <a:chExt cx="0" cy="0"/>
+        </a:xfrm>
+      </p:grpSpPr>
+      <p:sp>
+        <p:nvSpPr>
+          <p:cNvPr id="124" name="Google Shape;124;g48996a2683_0_10:notes"/>
+          <p:cNvSpPr txBox="1"/>
+          <p:nvPr>
+            <p:ph idx="1" type="body"/>
+          </p:nvPr>
+        </p:nvSpPr>
+        <p:spPr>
+          <a:xfrm>
+            <a:off x="685800" y="4343400"/>
+            <a:ext cx="5486400" cy="4114800"/>
+          </a:xfrm>
+          <a:prstGeom prst="rect">
+            <a:avLst/>
+          </a:prstGeom>
+        </p:spPr>
+        <p:txBody>
+          <a:bodyPr anchorCtr="0" anchor="t" bIns="45700" lIns="91425" spcFirstLastPara="1" rIns="91425" wrap="square" tIns="45700">
+            <a:noAutofit/>
+          </a:bodyPr>
+          <a:lstStyle/>
+          <a:p>
+            <a:pPr indent="0" lvl="0" marL="0" rtl="0" algn="l">
+              <a:spcBef>
+                <a:spcPts val="360"/>
+              </a:spcBef>
+              <a:spcAft>
+                <a:spcPts val="0"/>
+              </a:spcAft>
+              <a:buNone/>
+            </a:pPr>
+            <a:r>
+              <a:t/>
+            </a:r>
+            <a:endParaRPr/>
+          </a:p>
+        </p:txBody>
+      </p:sp>
+      <p:sp>
+        <p:nvSpPr>
+          <p:cNvPr id="125" name="Google Shape;125;g48996a2683_0_10:notes"/>
+          <p:cNvSpPr/>
+          <p:nvPr>
+            <p:ph idx="2" type="sldImg"/>
+          </p:nvPr>
+        </p:nvSpPr>
+        <p:spPr>
+          <a:xfrm>
+            <a:off x="1143000" y="685800"/>
+            <a:ext cx="4572000" cy="3429000"/>
+          </a:xfrm>
+          <a:custGeom>
+            <a:rect b="b" l="l" r="r" t="t"/>
+            <a:pathLst>
+              <a:path extrusionOk="0" h="120000" w="120000">
+                <a:moveTo>
+                  <a:pt x="0" y="0"/>
+                </a:moveTo>
+                <a:lnTo>
+                  <a:pt x="120000" y="0"/>
+                </a:lnTo>
+                <a:lnTo>
+                  <a:pt x="120000" y="120000"/>
+                </a:lnTo>
+                <a:lnTo>
+                  <a:pt x="0" y="120000"/>
+                </a:lnTo>
+                <a:close/>
+              </a:path>
+            </a:pathLst>
+          </a:custGeom>
+        </p:spPr>
+      </p:sp>
+    </p:spTree>
+  </p:cSld>
+  <p:clrMapOvr>
+    <a:masterClrMapping/>
+  </p:clrMapOvr>
+</p:notes>
+</file>
+
+<file path=ppt/notesSlides/notesSlide5.xml><?xml version="1.0" encoding="utf-8"?>
+<p:notes xmlns:a="http://schemas.openxmlformats.org/drawingml/2006/main" xmlns:r="http://schemas.openxmlformats.org/officeDocument/2006/relationships" xmlns:mc="http://schemas.openxmlformats.org/markup-compatibility/2006" xmlns:mv="urn:schemas-microsoft-com:mac:vml" xmlns:p="http://schemas.openxmlformats.org/presentationml/2006/main" xmlns:c="http://schemas.openxmlformats.org/drawingml/2006/chart" xmlns:dgm="http://schemas.openxmlformats.org/drawingml/2006/diagram" xmlns:o="urn:schemas-microsoft-com:office:office" xmlns:v="urn:schemas-microsoft-com:vml" xmlns:pvml="urn:schemas-microsoft-com:office:powerpoint" xmlns:com="http://schemas.openxmlformats.org/drawingml/2006/compatibility" xmlns:p14="http://schemas.microsoft.com/office/powerpoint/2010/main" xmlns:p15="http://schemas.microsoft.com/office/powerpoint/2012/main" showMasterPhAnim="0" showMasterSp="0">
+  <p:cSld>
+    <p:spTree>
+      <p:nvGrpSpPr>
+        <p:cNvPr id="132" name="Shape 132"/>
+        <p:cNvGrpSpPr/>
+        <p:nvPr/>
+      </p:nvGrpSpPr>
+      <p:grpSpPr>
+        <a:xfrm>
+          <a:off x="0" y="0"/>
+          <a:ext cx="0" cy="0"/>
+          <a:chOff x="0" y="0"/>
+          <a:chExt cx="0" cy="0"/>
+        </a:xfrm>
+      </p:grpSpPr>
+      <p:sp>
+        <p:nvSpPr>
+          <p:cNvPr id="133" name="Google Shape;133;g48996a2683_0_73:notes"/>
+          <p:cNvSpPr txBox="1"/>
+          <p:nvPr>
+            <p:ph idx="1" type="body"/>
+          </p:nvPr>
+        </p:nvSpPr>
+        <p:spPr>
+          <a:xfrm>
+            <a:off x="685800" y="4343400"/>
+            <a:ext cx="5486400" cy="4114800"/>
+          </a:xfrm>
+          <a:prstGeom prst="rect">
+            <a:avLst/>
+          </a:prstGeom>
+        </p:spPr>
+        <p:txBody>
+          <a:bodyPr anchorCtr="0" anchor="t" bIns="45700" lIns="91425" spcFirstLastPara="1" rIns="91425" wrap="square" tIns="45700">
+            <a:noAutofit/>
+          </a:bodyPr>
+          <a:lstStyle/>
+          <a:p>
+            <a:pPr indent="0" lvl="0" marL="0" rtl="0" algn="l">
+              <a:spcBef>
+                <a:spcPts val="360"/>
+              </a:spcBef>
+              <a:spcAft>
+                <a:spcPts val="0"/>
+              </a:spcAft>
+              <a:buNone/>
+            </a:pPr>
+            <a:r>
+              <a:t/>
+            </a:r>
+            <a:endParaRPr/>
+          </a:p>
+        </p:txBody>
+      </p:sp>
+      <p:sp>
+        <p:nvSpPr>
+          <p:cNvPr id="134" name="Google Shape;134;g48996a2683_0_73:notes"/>
+          <p:cNvSpPr/>
+          <p:nvPr>
+            <p:ph idx="2" type="sldImg"/>
+          </p:nvPr>
+        </p:nvSpPr>
+        <p:spPr>
+          <a:xfrm>
+            <a:off x="1143000" y="685800"/>
+            <a:ext cx="4572000" cy="3429000"/>
+          </a:xfrm>
+          <a:custGeom>
+            <a:rect b="b" l="l" r="r" t="t"/>
+            <a:pathLst>
+              <a:path extrusionOk="0" h="120000" w="120000">
+                <a:moveTo>
+                  <a:pt x="0" y="0"/>
+                </a:moveTo>
+                <a:lnTo>
+                  <a:pt x="120000" y="0"/>
+                </a:lnTo>
+                <a:lnTo>
+                  <a:pt x="120000" y="120000"/>
+                </a:lnTo>
+                <a:lnTo>
+                  <a:pt x="0" y="120000"/>
+                </a:lnTo>
+                <a:close/>
+              </a:path>
+            </a:pathLst>
+          </a:custGeom>
+        </p:spPr>
+      </p:sp>
+    </p:spTree>
+  </p:cSld>
+  <p:clrMapOvr>
+    <a:masterClrMapping/>
+  </p:clrMapOvr>
+</p:notes>
+</file>
+
+<file path=ppt/notesSlides/notesSlide6.xml><?xml version="1.0" encoding="utf-8"?>
+<p:notes xmlns:a="http://schemas.openxmlformats.org/drawingml/2006/main" xmlns:r="http://schemas.openxmlformats.org/officeDocument/2006/relationships" xmlns:mc="http://schemas.openxmlformats.org/markup-compatibility/2006" xmlns:mv="urn:schemas-microsoft-com:mac:vml" xmlns:p="http://schemas.openxmlformats.org/presentationml/2006/main" xmlns:c="http://schemas.openxmlformats.org/drawingml/2006/chart" xmlns:dgm="http://schemas.openxmlformats.org/drawingml/2006/diagram" xmlns:o="urn:schemas-microsoft-com:office:office" xmlns:v="urn:schemas-microsoft-com:vml" xmlns:pvml="urn:schemas-microsoft-com:office:powerpoint" xmlns:com="http://schemas.openxmlformats.org/drawingml/2006/compatibility" xmlns:p14="http://schemas.microsoft.com/office/powerpoint/2010/main" xmlns:p15="http://schemas.microsoft.com/office/powerpoint/2012/main" showMasterPhAnim="0" showMasterSp="0">
+  <p:cSld>
+    <p:spTree>
+      <p:nvGrpSpPr>
+        <p:cNvPr id="144" name="Shape 144"/>
+        <p:cNvGrpSpPr/>
+        <p:nvPr/>
+      </p:nvGrpSpPr>
+      <p:grpSpPr>
+        <a:xfrm>
+          <a:off x="0" y="0"/>
+          <a:ext cx="0" cy="0"/>
+          <a:chOff x="0" y="0"/>
+          <a:chExt cx="0" cy="0"/>
+        </a:xfrm>
+      </p:grpSpPr>
+      <p:sp>
+        <p:nvSpPr>
+          <p:cNvPr id="145" name="Google Shape;145;g48996a2683_0_19:notes"/>
+          <p:cNvSpPr txBox="1"/>
+          <p:nvPr>
+            <p:ph idx="1" type="body"/>
+          </p:nvPr>
+        </p:nvSpPr>
+        <p:spPr>
+          <a:xfrm>
+            <a:off x="685800" y="4343400"/>
+            <a:ext cx="5486400" cy="4114800"/>
+          </a:xfrm>
+          <a:prstGeom prst="rect">
+            <a:avLst/>
+          </a:prstGeom>
+        </p:spPr>
+        <p:txBody>
+          <a:bodyPr anchorCtr="0" anchor="t" bIns="45700" lIns="91425" spcFirstLastPara="1" rIns="91425" wrap="square" tIns="45700">
+            <a:noAutofit/>
+          </a:bodyPr>
+          <a:lstStyle/>
+          <a:p>
+            <a:pPr indent="0" lvl="0" marL="0" rtl="0" algn="l">
+              <a:spcBef>
+                <a:spcPts val="360"/>
+              </a:spcBef>
+              <a:spcAft>
+                <a:spcPts val="0"/>
+              </a:spcAft>
+              <a:buNone/>
+            </a:pPr>
+            <a:r>
+              <a:t/>
+            </a:r>
+            <a:endParaRPr/>
+          </a:p>
+        </p:txBody>
+      </p:sp>
+      <p:sp>
+        <p:nvSpPr>
+          <p:cNvPr id="146" name="Google Shape;146;g48996a2683_0_19:notes"/>
+          <p:cNvSpPr/>
+          <p:nvPr>
+            <p:ph idx="2" type="sldImg"/>
+          </p:nvPr>
+        </p:nvSpPr>
+        <p:spPr>
+          <a:xfrm>
+            <a:off x="1143000" y="685800"/>
+            <a:ext cx="4572000" cy="3429000"/>
+          </a:xfrm>
+          <a:custGeom>
+            <a:rect b="b" l="l" r="r" t="t"/>
+            <a:pathLst>
+              <a:path extrusionOk="0" h="120000" w="120000">
+                <a:moveTo>
+                  <a:pt x="0" y="0"/>
+                </a:moveTo>
+                <a:lnTo>
+                  <a:pt x="120000" y="0"/>
+                </a:lnTo>
+                <a:lnTo>
+                  <a:pt x="120000" y="120000"/>
+                </a:lnTo>
+                <a:lnTo>
+                  <a:pt x="0" y="120000"/>
+                </a:lnTo>
+                <a:close/>
+              </a:path>
+            </a:pathLst>
+          </a:custGeom>
+        </p:spPr>
+      </p:sp>
+    </p:spTree>
+  </p:cSld>
+  <p:clrMapOvr>
+    <a:masterClrMapping/>
+  </p:clrMapOvr>
+</p:notes>
+</file>
+
+<file path=ppt/notesSlides/notesSlide7.xml><?xml version="1.0" encoding="utf-8"?>
+<p:notes xmlns:a="http://schemas.openxmlformats.org/drawingml/2006/main" xmlns:r="http://schemas.openxmlformats.org/officeDocument/2006/relationships" xmlns:mc="http://schemas.openxmlformats.org/markup-compatibility/2006" xmlns:mv="urn:schemas-microsoft-com:mac:vml" xmlns:p="http://schemas.openxmlformats.org/presentationml/2006/main" xmlns:c="http://schemas.openxmlformats.org/drawingml/2006/chart" xmlns:dgm="http://schemas.openxmlformats.org/drawingml/2006/diagram" xmlns:o="urn:schemas-microsoft-com:office:office" xmlns:v="urn:schemas-microsoft-com:vml" xmlns:pvml="urn:schemas-microsoft-com:office:powerpoint" xmlns:com="http://schemas.openxmlformats.org/drawingml/2006/compatibility" xmlns:p14="http://schemas.microsoft.com/office/powerpoint/2010/main" xmlns:p15="http://schemas.microsoft.com/office/powerpoint/2012/main" showMasterPhAnim="0" showMasterSp="0">
+  <p:cSld>
+    <p:spTree>
+      <p:nvGrpSpPr>
+        <p:cNvPr id="153" name="Shape 153"/>
+        <p:cNvGrpSpPr/>
+        <p:nvPr/>
+      </p:nvGrpSpPr>
+      <p:grpSpPr>
+        <a:xfrm>
+          <a:off x="0" y="0"/>
+          <a:ext cx="0" cy="0"/>
+          <a:chOff x="0" y="0"/>
+          <a:chExt cx="0" cy="0"/>
+        </a:xfrm>
+      </p:grpSpPr>
+      <p:sp>
+        <p:nvSpPr>
+          <p:cNvPr id="154" name="Google Shape;154;g48996a2683_0_28:notes"/>
+          <p:cNvSpPr txBox="1"/>
+          <p:nvPr>
+            <p:ph idx="1" type="body"/>
+          </p:nvPr>
+        </p:nvSpPr>
+        <p:spPr>
+          <a:xfrm>
+            <a:off x="685800" y="4343400"/>
+            <a:ext cx="5486400" cy="4114800"/>
+          </a:xfrm>
+          <a:prstGeom prst="rect">
+            <a:avLst/>
+          </a:prstGeom>
+        </p:spPr>
+        <p:txBody>
+          <a:bodyPr anchorCtr="0" anchor="t" bIns="45700" lIns="91425" spcFirstLastPara="1" rIns="91425" wrap="square" tIns="45700">
+            <a:noAutofit/>
+          </a:bodyPr>
+          <a:lstStyle/>
+          <a:p>
+            <a:pPr indent="0" lvl="0" marL="0" rtl="0" algn="l">
+              <a:spcBef>
+                <a:spcPts val="360"/>
+              </a:spcBef>
+              <a:spcAft>
+                <a:spcPts val="0"/>
+              </a:spcAft>
+              <a:buNone/>
+            </a:pPr>
+            <a:r>
+              <a:t/>
+            </a:r>
+            <a:endParaRPr/>
+          </a:p>
+        </p:txBody>
+      </p:sp>
+      <p:sp>
+        <p:nvSpPr>
+          <p:cNvPr id="155" name="Google Shape;155;g48996a2683_0_28:notes"/>
+          <p:cNvSpPr/>
+          <p:nvPr>
+            <p:ph idx="2" type="sldImg"/>
+          </p:nvPr>
+        </p:nvSpPr>
+        <p:spPr>
+          <a:xfrm>
+            <a:off x="1143000" y="685800"/>
+            <a:ext cx="4572000" cy="3429000"/>
+          </a:xfrm>
+          <a:custGeom>
+            <a:rect b="b" l="l" r="r" t="t"/>
+            <a:pathLst>
+              <a:path extrusionOk="0" h="120000" w="120000">
+                <a:moveTo>
+                  <a:pt x="0" y="0"/>
+                </a:moveTo>
+                <a:lnTo>
+                  <a:pt x="120000" y="0"/>
+                </a:lnTo>
+                <a:lnTo>
+                  <a:pt x="120000" y="120000"/>
+                </a:lnTo>
+                <a:lnTo>
+                  <a:pt x="0" y="120000"/>
+                </a:lnTo>
+                <a:close/>
+              </a:path>
+            </a:pathLst>
+          </a:custGeom>
+        </p:spPr>
+      </p:sp>
+    </p:spTree>
+  </p:cSld>
+  <p:clrMapOvr>
+    <a:masterClrMapping/>
+  </p:clrMapOvr>
+</p:notes>
+</file>
+
+<file path=ppt/notesSlides/notesSlide8.xml><?xml version="1.0" encoding="utf-8"?>
+<p:notes xmlns:a="http://schemas.openxmlformats.org/drawingml/2006/main" xmlns:r="http://schemas.openxmlformats.org/officeDocument/2006/relationships" xmlns:mc="http://schemas.openxmlformats.org/markup-compatibility/2006" xmlns:mv="urn:schemas-microsoft-com:mac:vml" xmlns:p="http://schemas.openxmlformats.org/presentationml/2006/main" xmlns:c="http://schemas.openxmlformats.org/drawingml/2006/chart" xmlns:dgm="http://schemas.openxmlformats.org/drawingml/2006/diagram" xmlns:o="urn:schemas-microsoft-com:office:office" xmlns:v="urn:schemas-microsoft-com:vml" xmlns:pvml="urn:schemas-microsoft-com:office:powerpoint" xmlns:com="http://schemas.openxmlformats.org/drawingml/2006/compatibility" xmlns:p14="http://schemas.microsoft.com/office/powerpoint/2010/main" xmlns:p15="http://schemas.microsoft.com/office/powerpoint/2012/main" showMasterPhAnim="0" showMasterSp="0">
+  <p:cSld>
+    <p:spTree>
+      <p:nvGrpSpPr>
+        <p:cNvPr id="162" name="Shape 162"/>
+        <p:cNvGrpSpPr/>
+        <p:nvPr/>
+      </p:nvGrpSpPr>
+      <p:grpSpPr>
+        <a:xfrm>
+          <a:off x="0" y="0"/>
+          <a:ext cx="0" cy="0"/>
+          <a:chOff x="0" y="0"/>
+          <a:chExt cx="0" cy="0"/>
+        </a:xfrm>
+      </p:grpSpPr>
+      <p:sp>
+        <p:nvSpPr>
+          <p:cNvPr id="163" name="Google Shape;163;g48996a2683_0_37:notes"/>
+          <p:cNvSpPr txBox="1"/>
+          <p:nvPr>
+            <p:ph idx="1" type="body"/>
+          </p:nvPr>
+        </p:nvSpPr>
+        <p:spPr>
+          <a:xfrm>
+            <a:off x="685800" y="4343400"/>
+            <a:ext cx="5486400" cy="4114800"/>
+          </a:xfrm>
+          <a:prstGeom prst="rect">
+            <a:avLst/>
+          </a:prstGeom>
+        </p:spPr>
+        <p:txBody>
+          <a:bodyPr anchorCtr="0" anchor="t" bIns="45700" lIns="91425" spcFirstLastPara="1" rIns="91425" wrap="square" tIns="45700">
+            <a:noAutofit/>
+          </a:bodyPr>
+          <a:lstStyle/>
+          <a:p>
+            <a:pPr indent="0" lvl="0" marL="0" rtl="0" algn="l">
+              <a:spcBef>
+                <a:spcPts val="360"/>
+              </a:spcBef>
+              <a:spcAft>
+                <a:spcPts val="0"/>
+              </a:spcAft>
+              <a:buNone/>
+            </a:pPr>
+            <a:r>
+              <a:t/>
+            </a:r>
+            <a:endParaRPr/>
+          </a:p>
+        </p:txBody>
+      </p:sp>
+      <p:sp>
+        <p:nvSpPr>
+          <p:cNvPr id="164" name="Google Shape;164;g48996a2683_0_37:notes"/>
+          <p:cNvSpPr/>
+          <p:nvPr>
+            <p:ph idx="2" type="sldImg"/>
+          </p:nvPr>
+        </p:nvSpPr>
+        <p:spPr>
+          <a:xfrm>
+            <a:off x="1143000" y="685800"/>
+            <a:ext cx="4572000" cy="3429000"/>
+          </a:xfrm>
+          <a:custGeom>
+            <a:rect b="b" l="l" r="r" t="t"/>
+            <a:pathLst>
+              <a:path extrusionOk="0" h="120000" w="120000">
+                <a:moveTo>
+                  <a:pt x="0" y="0"/>
+                </a:moveTo>
+                <a:lnTo>
+                  <a:pt x="120000" y="0"/>
+                </a:lnTo>
+                <a:lnTo>
+                  <a:pt x="120000" y="120000"/>
+                </a:lnTo>
+                <a:lnTo>
+                  <a:pt x="0" y="120000"/>
+                </a:lnTo>
+                <a:close/>
+              </a:path>
+            </a:pathLst>
+          </a:custGeom>
+        </p:spPr>
+      </p:sp>
+    </p:spTree>
+  </p:cSld>
+  <p:clrMapOvr>
+    <a:masterClrMapping/>
+  </p:clrMapOvr>
+</p:notes>
+</file>
+
+<file path=ppt/notesSlides/notesSlide9.xml><?xml version="1.0" encoding="utf-8"?>
+<p:notes xmlns:a="http://schemas.openxmlformats.org/drawingml/2006/main" xmlns:r="http://schemas.openxmlformats.org/officeDocument/2006/relationships" xmlns:mc="http://schemas.openxmlformats.org/markup-compatibility/2006" xmlns:mv="urn:schemas-microsoft-com:mac:vml" xmlns:p="http://schemas.openxmlformats.org/presentationml/2006/main" xmlns:c="http://schemas.openxmlformats.org/drawingml/2006/chart" xmlns:dgm="http://schemas.openxmlformats.org/drawingml/2006/diagram" xmlns:o="urn:schemas-microsoft-com:office:office" xmlns:v="urn:schemas-microsoft-com:vml" xmlns:pvml="urn:schemas-microsoft-com:office:powerpoint" xmlns:com="http://schemas.openxmlformats.org/drawingml/2006/compatibility" xmlns:p14="http://schemas.microsoft.com/office/powerpoint/2010/main" xmlns:p15="http://schemas.microsoft.com/office/powerpoint/2012/main" showMasterPhAnim="0" showMasterSp="0">
+  <p:cSld>
+    <p:spTree>
+      <p:nvGrpSpPr>
+        <p:cNvPr id="171" name="Shape 171"/>
+        <p:cNvGrpSpPr/>
+        <p:nvPr/>
+      </p:nvGrpSpPr>
+      <p:grpSpPr>
+        <a:xfrm>
+          <a:off x="0" y="0"/>
+          <a:ext cx="0" cy="0"/>
+          <a:chOff x="0" y="0"/>
+          <a:chExt cx="0" cy="0"/>
+        </a:xfrm>
+      </p:grpSpPr>
+      <p:sp>
+        <p:nvSpPr>
+          <p:cNvPr id="172" name="Google Shape;172;g48996a2683_0_46:notes"/>
+          <p:cNvSpPr txBox="1"/>
+          <p:nvPr>
+            <p:ph idx="1" type="body"/>
+          </p:nvPr>
+        </p:nvSpPr>
+        <p:spPr>
+          <a:xfrm>
+            <a:off x="685800" y="4343400"/>
+            <a:ext cx="5486400" cy="4114800"/>
+          </a:xfrm>
+          <a:prstGeom prst="rect">
+            <a:avLst/>
+          </a:prstGeom>
+        </p:spPr>
+        <p:txBody>
+          <a:bodyPr anchorCtr="0" anchor="t" bIns="45700" lIns="91425" spcFirstLastPara="1" rIns="91425" wrap="square" tIns="45700">
+            <a:noAutofit/>
+          </a:bodyPr>
+          <a:lstStyle/>
+          <a:p>
+            <a:pPr indent="0" lvl="0" marL="0" rtl="0" algn="l">
+              <a:spcBef>
+                <a:spcPts val="360"/>
+              </a:spcBef>
+              <a:spcAft>
+                <a:spcPts val="0"/>
+              </a:spcAft>
+              <a:buNone/>
+            </a:pPr>
+            <a:r>
+              <a:t/>
+            </a:r>
+            <a:endParaRPr/>
+          </a:p>
+        </p:txBody>
+      </p:sp>
+      <p:sp>
+        <p:nvSpPr>
+          <p:cNvPr id="173" name="Google Shape;173;g48996a2683_0_46:notes"/>
           <p:cNvSpPr/>
           <p:nvPr>
             <p:ph idx="2" type="sldImg"/>
@@ -13821,7 +14921,23 @@
             </a:br>
             <a:r>
               <a:rPr lang="en-US" sz="3200"/>
-              <a:t>Reducing Commute Time with Machine Learning and Graph Analysis</a:t>
+              <a:t>Reducing Commute Time with</a:t>
+            </a:r>
+            <a:endParaRPr sz="3200"/>
+          </a:p>
+          <a:p>
+            <a:pPr indent="0" lvl="0" marL="0" rtl="0" algn="ctr">
+              <a:spcBef>
+                <a:spcPts val="0"/>
+              </a:spcBef>
+              <a:spcAft>
+                <a:spcPts val="0"/>
+              </a:spcAft>
+              <a:buNone/>
+            </a:pPr>
+            <a:r>
+              <a:rPr lang="en-US" sz="3200"/>
+              <a:t>Machine Learning and Graph Analysis</a:t>
             </a:r>
             <a:br>
               <a:rPr b="1" lang="en-US" sz="3200"/>
@@ -13840,8 +14956,8 @@
         </p:nvSpPr>
         <p:spPr>
           <a:xfrm>
-            <a:off x="1333500" y="2438400"/>
-            <a:ext cx="6400800" cy="609600"/>
+            <a:off x="1333500" y="2586400"/>
+            <a:ext cx="6400800" cy="461700"/>
           </a:xfrm>
           <a:prstGeom prst="rect">
             <a:avLst/>
@@ -14128,6 +15244,1466 @@
 </p:sld>
 </file>
 
+<file path=ppt/slides/slide10.xml><?xml version="1.0" encoding="utf-8"?>
+<p:sld xmlns:a="http://schemas.openxmlformats.org/drawingml/2006/main" xmlns:r="http://schemas.openxmlformats.org/officeDocument/2006/relationships" xmlns:mc="http://schemas.openxmlformats.org/markup-compatibility/2006" xmlns:mv="urn:schemas-microsoft-com:mac:vml" xmlns:p="http://schemas.openxmlformats.org/presentationml/2006/main" xmlns:c="http://schemas.openxmlformats.org/drawingml/2006/chart" xmlns:dgm="http://schemas.openxmlformats.org/drawingml/2006/diagram" xmlns:o="urn:schemas-microsoft-com:office:office" xmlns:v="urn:schemas-microsoft-com:vml" xmlns:pvml="urn:schemas-microsoft-com:office:powerpoint" xmlns:com="http://schemas.openxmlformats.org/drawingml/2006/compatibility" xmlns:p14="http://schemas.microsoft.com/office/powerpoint/2010/main" xmlns:p15="http://schemas.microsoft.com/office/powerpoint/2012/main">
+  <p:cSld>
+    <p:spTree>
+      <p:nvGrpSpPr>
+        <p:cNvPr id="183" name="Shape 183"/>
+        <p:cNvGrpSpPr/>
+        <p:nvPr/>
+      </p:nvGrpSpPr>
+      <p:grpSpPr>
+        <a:xfrm>
+          <a:off x="0" y="0"/>
+          <a:ext cx="0" cy="0"/>
+          <a:chOff x="0" y="0"/>
+          <a:chExt cx="0" cy="0"/>
+        </a:xfrm>
+      </p:grpSpPr>
+      <p:sp>
+        <p:nvSpPr>
+          <p:cNvPr id="184" name="Google Shape;184;p23"/>
+          <p:cNvSpPr txBox="1"/>
+          <p:nvPr>
+            <p:ph idx="1" type="body"/>
+          </p:nvPr>
+        </p:nvSpPr>
+        <p:spPr>
+          <a:xfrm>
+            <a:off x="6188725" y="1487852"/>
+            <a:ext cx="2677800" cy="4412100"/>
+          </a:xfrm>
+          <a:prstGeom prst="rect">
+            <a:avLst/>
+          </a:prstGeom>
+          <a:noFill/>
+          <a:ln>
+            <a:noFill/>
+          </a:ln>
+        </p:spPr>
+        <p:txBody>
+          <a:bodyPr anchorCtr="0" anchor="t" bIns="45700" lIns="91425" spcFirstLastPara="1" rIns="91425" wrap="square" tIns="45700">
+            <a:noAutofit/>
+          </a:bodyPr>
+          <a:lstStyle/>
+          <a:p>
+            <a:pPr indent="-381000" lvl="0" marL="342900" rtl="0" algn="l">
+              <a:spcBef>
+                <a:spcPts val="0"/>
+              </a:spcBef>
+              <a:spcAft>
+                <a:spcPts val="0"/>
+              </a:spcAft>
+              <a:buSzPts val="2400"/>
+              <a:buChar char="▪"/>
+            </a:pPr>
+            <a:r>
+              <a:rPr lang="en-US" sz="2400"/>
+              <a:t>Calculate annual miles driven by division</a:t>
+            </a:r>
+            <a:endParaRPr sz="2400"/>
+          </a:p>
+          <a:p>
+            <a:pPr indent="-381000" lvl="0" marL="342900" rtl="0" algn="l">
+              <a:spcBef>
+                <a:spcPts val="0"/>
+              </a:spcBef>
+              <a:spcAft>
+                <a:spcPts val="0"/>
+              </a:spcAft>
+              <a:buSzPts val="2400"/>
+              <a:buChar char="▪"/>
+            </a:pPr>
+            <a:r>
+              <a:rPr lang="en-US" sz="2400"/>
+              <a:t>Separate by access to mass transit</a:t>
+            </a:r>
+            <a:endParaRPr sz="2400"/>
+          </a:p>
+          <a:p>
+            <a:pPr indent="-381000" lvl="0" marL="342900" rtl="0" algn="l">
+              <a:spcBef>
+                <a:spcPts val="0"/>
+              </a:spcBef>
+              <a:spcAft>
+                <a:spcPts val="0"/>
+              </a:spcAft>
+              <a:buSzPts val="2400"/>
+              <a:buChar char="▪"/>
+            </a:pPr>
+            <a:r>
+              <a:rPr lang="en-US" sz="2400"/>
+              <a:t>Areas without mass transit typically have higher miles driven</a:t>
+            </a:r>
+            <a:endParaRPr sz="2400"/>
+          </a:p>
+        </p:txBody>
+      </p:sp>
+      <p:sp>
+        <p:nvSpPr>
+          <p:cNvPr id="185" name="Google Shape;185;p23"/>
+          <p:cNvSpPr txBox="1"/>
+          <p:nvPr>
+            <p:ph type="title"/>
+          </p:nvPr>
+        </p:nvSpPr>
+        <p:spPr>
+          <a:xfrm>
+            <a:off x="457200" y="120651"/>
+            <a:ext cx="8229600" cy="716100"/>
+          </a:xfrm>
+          <a:prstGeom prst="rect">
+            <a:avLst/>
+          </a:prstGeom>
+          <a:noFill/>
+          <a:ln>
+            <a:noFill/>
+          </a:ln>
+        </p:spPr>
+        <p:txBody>
+          <a:bodyPr anchorCtr="0" anchor="ctr" bIns="45700" lIns="91425" spcFirstLastPara="1" rIns="91425" wrap="square" tIns="45700">
+            <a:noAutofit/>
+          </a:bodyPr>
+          <a:lstStyle/>
+          <a:p>
+            <a:pPr indent="0" lvl="0" marL="0" rtl="0" algn="ctr">
+              <a:spcBef>
+                <a:spcPts val="0"/>
+              </a:spcBef>
+              <a:spcAft>
+                <a:spcPts val="0"/>
+              </a:spcAft>
+              <a:buNone/>
+            </a:pPr>
+            <a:r>
+              <a:rPr lang="en-US"/>
+              <a:t>Annual Miles Driven</a:t>
+            </a:r>
+            <a:r>
+              <a:rPr lang="en-US"/>
+              <a:t> - Summary Statistics</a:t>
+            </a:r>
+            <a:endParaRPr/>
+          </a:p>
+        </p:txBody>
+      </p:sp>
+      <p:sp>
+        <p:nvSpPr>
+          <p:cNvPr id="186" name="Google Shape;186;p23"/>
+          <p:cNvSpPr txBox="1"/>
+          <p:nvPr>
+            <p:ph idx="11" type="ftr"/>
+          </p:nvPr>
+        </p:nvSpPr>
+        <p:spPr>
+          <a:xfrm>
+            <a:off x="3124200" y="6356350"/>
+            <a:ext cx="2895600" cy="365100"/>
+          </a:xfrm>
+          <a:prstGeom prst="rect">
+            <a:avLst/>
+          </a:prstGeom>
+          <a:noFill/>
+          <a:ln>
+            <a:noFill/>
+          </a:ln>
+        </p:spPr>
+        <p:txBody>
+          <a:bodyPr anchorCtr="0" anchor="ctr" bIns="45700" lIns="91425" spcFirstLastPara="1" rIns="91425" wrap="square" tIns="45700">
+            <a:noAutofit/>
+          </a:bodyPr>
+          <a:lstStyle/>
+          <a:p>
+            <a:pPr indent="0" lvl="0" marL="0" marR="0" rtl="0" algn="ctr">
+              <a:spcBef>
+                <a:spcPts val="0"/>
+              </a:spcBef>
+              <a:spcAft>
+                <a:spcPts val="0"/>
+              </a:spcAft>
+              <a:buClr>
+                <a:srgbClr val="898989"/>
+              </a:buClr>
+              <a:buSzPts val="1200"/>
+              <a:buFont typeface="Noto Sans Symbols"/>
+              <a:buNone/>
+            </a:pPr>
+            <a:r>
+              <a:rPr b="0" i="0" lang="en-US" sz="1200" u="none" cap="none" strike="noStrike">
+                <a:solidFill>
+                  <a:srgbClr val="898989"/>
+                </a:solidFill>
+                <a:latin typeface="Calibri"/>
+                <a:ea typeface="Calibri"/>
+                <a:cs typeface="Calibri"/>
+                <a:sym typeface="Calibri"/>
+              </a:rPr>
+              <a:t>@</a:t>
+            </a:r>
+            <a:r>
+              <a:rPr lang="en-US"/>
+              <a:t>Walter Yu</a:t>
+            </a:r>
+            <a:endParaRPr/>
+          </a:p>
+        </p:txBody>
+      </p:sp>
+      <p:sp>
+        <p:nvSpPr>
+          <p:cNvPr id="187" name="Google Shape;187;p23"/>
+          <p:cNvSpPr txBox="1"/>
+          <p:nvPr>
+            <p:ph idx="12" type="sldNum"/>
+          </p:nvPr>
+        </p:nvSpPr>
+        <p:spPr>
+          <a:xfrm>
+            <a:off x="6553200" y="6356350"/>
+            <a:ext cx="2133600" cy="365100"/>
+          </a:xfrm>
+          <a:prstGeom prst="rect">
+            <a:avLst/>
+          </a:prstGeom>
+          <a:noFill/>
+          <a:ln>
+            <a:noFill/>
+          </a:ln>
+        </p:spPr>
+        <p:txBody>
+          <a:bodyPr anchorCtr="0" anchor="ctr" bIns="45700" lIns="91425" spcFirstLastPara="1" rIns="91425" wrap="square" tIns="45700">
+            <a:noAutofit/>
+          </a:bodyPr>
+          <a:lstStyle/>
+          <a:p>
+            <a:pPr indent="0" lvl="0" marL="0" rtl="0" algn="r">
+              <a:spcBef>
+                <a:spcPts val="0"/>
+              </a:spcBef>
+              <a:spcAft>
+                <a:spcPts val="0"/>
+              </a:spcAft>
+              <a:buNone/>
+            </a:pPr>
+            <a:fld id="{00000000-1234-1234-1234-123412341234}" type="slidenum">
+              <a:rPr lang="en-US"/>
+              <a:t>‹#›</a:t>
+            </a:fld>
+            <a:endParaRPr/>
+          </a:p>
+        </p:txBody>
+      </p:sp>
+      <p:pic>
+        <p:nvPicPr>
+          <p:cNvPr id="188" name="Google Shape;188;p23"/>
+          <p:cNvPicPr preferRelativeResize="0"/>
+          <p:nvPr/>
+        </p:nvPicPr>
+        <p:blipFill>
+          <a:blip r:embed="rId3">
+            <a:alphaModFix/>
+          </a:blip>
+          <a:stretch>
+            <a:fillRect/>
+          </a:stretch>
+        </p:blipFill>
+        <p:spPr>
+          <a:xfrm>
+            <a:off x="152400" y="1446351"/>
+            <a:ext cx="5883926" cy="4761227"/>
+          </a:xfrm>
+          <a:prstGeom prst="rect">
+            <a:avLst/>
+          </a:prstGeom>
+          <a:noFill/>
+          <a:ln>
+            <a:noFill/>
+          </a:ln>
+        </p:spPr>
+      </p:pic>
+    </p:spTree>
+  </p:cSld>
+  <p:clrMapOvr>
+    <a:masterClrMapping/>
+  </p:clrMapOvr>
+</p:sld>
+</file>
+
+<file path=ppt/slides/slide11.xml><?xml version="1.0" encoding="utf-8"?>
+<p:sld xmlns:a="http://schemas.openxmlformats.org/drawingml/2006/main" xmlns:r="http://schemas.openxmlformats.org/officeDocument/2006/relationships" xmlns:mc="http://schemas.openxmlformats.org/markup-compatibility/2006" xmlns:mv="urn:schemas-microsoft-com:mac:vml" xmlns:p="http://schemas.openxmlformats.org/presentationml/2006/main" xmlns:c="http://schemas.openxmlformats.org/drawingml/2006/chart" xmlns:dgm="http://schemas.openxmlformats.org/drawingml/2006/diagram" xmlns:o="urn:schemas-microsoft-com:office:office" xmlns:v="urn:schemas-microsoft-com:vml" xmlns:pvml="urn:schemas-microsoft-com:office:powerpoint" xmlns:com="http://schemas.openxmlformats.org/drawingml/2006/compatibility" xmlns:p14="http://schemas.microsoft.com/office/powerpoint/2010/main" xmlns:p15="http://schemas.microsoft.com/office/powerpoint/2012/main">
+  <p:cSld>
+    <p:spTree>
+      <p:nvGrpSpPr>
+        <p:cNvPr id="192" name="Shape 192"/>
+        <p:cNvGrpSpPr/>
+        <p:nvPr/>
+      </p:nvGrpSpPr>
+      <p:grpSpPr>
+        <a:xfrm>
+          <a:off x="0" y="0"/>
+          <a:ext cx="0" cy="0"/>
+          <a:chOff x="0" y="0"/>
+          <a:chExt cx="0" cy="0"/>
+        </a:xfrm>
+      </p:grpSpPr>
+      <p:sp>
+        <p:nvSpPr>
+          <p:cNvPr id="193" name="Google Shape;193;p24"/>
+          <p:cNvSpPr txBox="1"/>
+          <p:nvPr>
+            <p:ph type="title"/>
+          </p:nvPr>
+        </p:nvSpPr>
+        <p:spPr>
+          <a:xfrm>
+            <a:off x="457200" y="120651"/>
+            <a:ext cx="8229600" cy="716100"/>
+          </a:xfrm>
+          <a:prstGeom prst="rect">
+            <a:avLst/>
+          </a:prstGeom>
+          <a:noFill/>
+          <a:ln>
+            <a:noFill/>
+          </a:ln>
+        </p:spPr>
+        <p:txBody>
+          <a:bodyPr anchorCtr="0" anchor="ctr" bIns="45700" lIns="91425" spcFirstLastPara="1" rIns="91425" wrap="square" tIns="45700">
+            <a:noAutofit/>
+          </a:bodyPr>
+          <a:lstStyle/>
+          <a:p>
+            <a:pPr indent="0" lvl="0" marL="0" rtl="0" algn="ctr">
+              <a:spcBef>
+                <a:spcPts val="0"/>
+              </a:spcBef>
+              <a:spcAft>
+                <a:spcPts val="0"/>
+              </a:spcAft>
+              <a:buNone/>
+            </a:pPr>
+            <a:r>
+              <a:rPr lang="en-US"/>
+              <a:t>Graph Analysis</a:t>
+            </a:r>
+            <a:r>
+              <a:rPr lang="en-US"/>
+              <a:t> - Out-Degree Relationship Count</a:t>
+            </a:r>
+            <a:endParaRPr/>
+          </a:p>
+        </p:txBody>
+      </p:sp>
+      <p:sp>
+        <p:nvSpPr>
+          <p:cNvPr id="194" name="Google Shape;194;p24"/>
+          <p:cNvSpPr txBox="1"/>
+          <p:nvPr>
+            <p:ph idx="1" type="body"/>
+          </p:nvPr>
+        </p:nvSpPr>
+        <p:spPr>
+          <a:xfrm>
+            <a:off x="6188725" y="1825361"/>
+            <a:ext cx="2677800" cy="3544800"/>
+          </a:xfrm>
+          <a:prstGeom prst="rect">
+            <a:avLst/>
+          </a:prstGeom>
+          <a:noFill/>
+          <a:ln>
+            <a:noFill/>
+          </a:ln>
+        </p:spPr>
+        <p:txBody>
+          <a:bodyPr anchorCtr="0" anchor="t" bIns="45700" lIns="91425" spcFirstLastPara="1" rIns="91425" wrap="square" tIns="45700">
+            <a:noAutofit/>
+          </a:bodyPr>
+          <a:lstStyle/>
+          <a:p>
+            <a:pPr indent="-381000" lvl="0" marL="342900" rtl="0" algn="l">
+              <a:spcBef>
+                <a:spcPts val="0"/>
+              </a:spcBef>
+              <a:spcAft>
+                <a:spcPts val="0"/>
+              </a:spcAft>
+              <a:buSzPts val="2400"/>
+              <a:buChar char="▪"/>
+            </a:pPr>
+            <a:r>
+              <a:rPr lang="en-US" sz="2400"/>
+              <a:t>Calculate out-degree relationships between division and total trips</a:t>
+            </a:r>
+            <a:endParaRPr sz="2400"/>
+          </a:p>
+          <a:p>
+            <a:pPr indent="-381000" lvl="0" marL="342900" rtl="0" algn="l">
+              <a:spcBef>
+                <a:spcPts val="0"/>
+              </a:spcBef>
+              <a:spcAft>
+                <a:spcPts val="0"/>
+              </a:spcAft>
+              <a:buSzPts val="2400"/>
+              <a:buChar char="▪"/>
+            </a:pPr>
+            <a:r>
+              <a:rPr lang="en-US" sz="2400"/>
+              <a:t>Areas without mass transit and lower population</a:t>
+            </a:r>
+            <a:endParaRPr sz="2400"/>
+          </a:p>
+        </p:txBody>
+      </p:sp>
+      <p:sp>
+        <p:nvSpPr>
+          <p:cNvPr id="195" name="Google Shape;195;p24"/>
+          <p:cNvSpPr txBox="1"/>
+          <p:nvPr>
+            <p:ph idx="11" type="ftr"/>
+          </p:nvPr>
+        </p:nvSpPr>
+        <p:spPr>
+          <a:xfrm>
+            <a:off x="3124200" y="6356350"/>
+            <a:ext cx="2895600" cy="365100"/>
+          </a:xfrm>
+          <a:prstGeom prst="rect">
+            <a:avLst/>
+          </a:prstGeom>
+          <a:noFill/>
+          <a:ln>
+            <a:noFill/>
+          </a:ln>
+        </p:spPr>
+        <p:txBody>
+          <a:bodyPr anchorCtr="0" anchor="ctr" bIns="45700" lIns="91425" spcFirstLastPara="1" rIns="91425" wrap="square" tIns="45700">
+            <a:noAutofit/>
+          </a:bodyPr>
+          <a:lstStyle/>
+          <a:p>
+            <a:pPr indent="0" lvl="0" marL="0" marR="0" rtl="0" algn="ctr">
+              <a:spcBef>
+                <a:spcPts val="0"/>
+              </a:spcBef>
+              <a:spcAft>
+                <a:spcPts val="0"/>
+              </a:spcAft>
+              <a:buClr>
+                <a:srgbClr val="898989"/>
+              </a:buClr>
+              <a:buSzPts val="1200"/>
+              <a:buFont typeface="Noto Sans Symbols"/>
+              <a:buNone/>
+            </a:pPr>
+            <a:r>
+              <a:rPr b="0" i="0" lang="en-US" sz="1200" u="none" cap="none" strike="noStrike">
+                <a:solidFill>
+                  <a:srgbClr val="898989"/>
+                </a:solidFill>
+                <a:latin typeface="Calibri"/>
+                <a:ea typeface="Calibri"/>
+                <a:cs typeface="Calibri"/>
+                <a:sym typeface="Calibri"/>
+              </a:rPr>
+              <a:t>@</a:t>
+            </a:r>
+            <a:r>
+              <a:rPr lang="en-US"/>
+              <a:t>Walter Yu</a:t>
+            </a:r>
+            <a:endParaRPr/>
+          </a:p>
+        </p:txBody>
+      </p:sp>
+      <p:sp>
+        <p:nvSpPr>
+          <p:cNvPr id="196" name="Google Shape;196;p24"/>
+          <p:cNvSpPr txBox="1"/>
+          <p:nvPr>
+            <p:ph idx="12" type="sldNum"/>
+          </p:nvPr>
+        </p:nvSpPr>
+        <p:spPr>
+          <a:xfrm>
+            <a:off x="6553200" y="6356350"/>
+            <a:ext cx="2133600" cy="365100"/>
+          </a:xfrm>
+          <a:prstGeom prst="rect">
+            <a:avLst/>
+          </a:prstGeom>
+          <a:noFill/>
+          <a:ln>
+            <a:noFill/>
+          </a:ln>
+        </p:spPr>
+        <p:txBody>
+          <a:bodyPr anchorCtr="0" anchor="ctr" bIns="45700" lIns="91425" spcFirstLastPara="1" rIns="91425" wrap="square" tIns="45700">
+            <a:noAutofit/>
+          </a:bodyPr>
+          <a:lstStyle/>
+          <a:p>
+            <a:pPr indent="0" lvl="0" marL="0" rtl="0" algn="r">
+              <a:spcBef>
+                <a:spcPts val="0"/>
+              </a:spcBef>
+              <a:spcAft>
+                <a:spcPts val="0"/>
+              </a:spcAft>
+              <a:buNone/>
+            </a:pPr>
+            <a:fld id="{00000000-1234-1234-1234-123412341234}" type="slidenum">
+              <a:rPr lang="en-US"/>
+              <a:t>‹#›</a:t>
+            </a:fld>
+            <a:endParaRPr/>
+          </a:p>
+        </p:txBody>
+      </p:sp>
+      <p:pic>
+        <p:nvPicPr>
+          <p:cNvPr id="197" name="Google Shape;197;p24"/>
+          <p:cNvPicPr preferRelativeResize="0"/>
+          <p:nvPr/>
+        </p:nvPicPr>
+        <p:blipFill>
+          <a:blip r:embed="rId3">
+            <a:alphaModFix/>
+          </a:blip>
+          <a:stretch>
+            <a:fillRect/>
+          </a:stretch>
+        </p:blipFill>
+        <p:spPr>
+          <a:xfrm>
+            <a:off x="152400" y="1065351"/>
+            <a:ext cx="5705604" cy="5214799"/>
+          </a:xfrm>
+          <a:prstGeom prst="rect">
+            <a:avLst/>
+          </a:prstGeom>
+          <a:noFill/>
+          <a:ln>
+            <a:noFill/>
+          </a:ln>
+        </p:spPr>
+      </p:pic>
+    </p:spTree>
+  </p:cSld>
+  <p:clrMapOvr>
+    <a:masterClrMapping/>
+  </p:clrMapOvr>
+</p:sld>
+</file>
+
+<file path=ppt/slides/slide12.xml><?xml version="1.0" encoding="utf-8"?>
+<p:sld xmlns:a="http://schemas.openxmlformats.org/drawingml/2006/main" xmlns:r="http://schemas.openxmlformats.org/officeDocument/2006/relationships" xmlns:mc="http://schemas.openxmlformats.org/markup-compatibility/2006" xmlns:mv="urn:schemas-microsoft-com:mac:vml" xmlns:p="http://schemas.openxmlformats.org/presentationml/2006/main" xmlns:c="http://schemas.openxmlformats.org/drawingml/2006/chart" xmlns:dgm="http://schemas.openxmlformats.org/drawingml/2006/diagram" xmlns:o="urn:schemas-microsoft-com:office:office" xmlns:v="urn:schemas-microsoft-com:vml" xmlns:pvml="urn:schemas-microsoft-com:office:powerpoint" xmlns:com="http://schemas.openxmlformats.org/drawingml/2006/compatibility" xmlns:p14="http://schemas.microsoft.com/office/powerpoint/2010/main" xmlns:p15="http://schemas.microsoft.com/office/powerpoint/2012/main">
+  <p:cSld>
+    <p:spTree>
+      <p:nvGrpSpPr>
+        <p:cNvPr id="201" name="Shape 201"/>
+        <p:cNvGrpSpPr/>
+        <p:nvPr/>
+      </p:nvGrpSpPr>
+      <p:grpSpPr>
+        <a:xfrm>
+          <a:off x="0" y="0"/>
+          <a:ext cx="0" cy="0"/>
+          <a:chOff x="0" y="0"/>
+          <a:chExt cx="0" cy="0"/>
+        </a:xfrm>
+      </p:grpSpPr>
+      <p:sp>
+        <p:nvSpPr>
+          <p:cNvPr id="202" name="Google Shape;202;p25"/>
+          <p:cNvSpPr txBox="1"/>
+          <p:nvPr>
+            <p:ph type="title"/>
+          </p:nvPr>
+        </p:nvSpPr>
+        <p:spPr>
+          <a:xfrm>
+            <a:off x="457200" y="120651"/>
+            <a:ext cx="8229600" cy="716100"/>
+          </a:xfrm>
+          <a:prstGeom prst="rect">
+            <a:avLst/>
+          </a:prstGeom>
+          <a:noFill/>
+          <a:ln>
+            <a:noFill/>
+          </a:ln>
+        </p:spPr>
+        <p:txBody>
+          <a:bodyPr anchorCtr="0" anchor="ctr" bIns="45700" lIns="91425" spcFirstLastPara="1" rIns="91425" wrap="square" tIns="45700">
+            <a:noAutofit/>
+          </a:bodyPr>
+          <a:lstStyle/>
+          <a:p>
+            <a:pPr indent="0" lvl="0" marL="0" rtl="0" algn="ctr">
+              <a:spcBef>
+                <a:spcPts val="0"/>
+              </a:spcBef>
+              <a:spcAft>
+                <a:spcPts val="0"/>
+              </a:spcAft>
+              <a:buNone/>
+            </a:pPr>
+            <a:r>
+              <a:rPr lang="en-US"/>
+              <a:t>Observations</a:t>
+            </a:r>
+            <a:endParaRPr/>
+          </a:p>
+        </p:txBody>
+      </p:sp>
+      <p:sp>
+        <p:nvSpPr>
+          <p:cNvPr id="203" name="Google Shape;203;p25"/>
+          <p:cNvSpPr txBox="1"/>
+          <p:nvPr>
+            <p:ph idx="1" type="body"/>
+          </p:nvPr>
+        </p:nvSpPr>
+        <p:spPr>
+          <a:xfrm>
+            <a:off x="457200" y="3715225"/>
+            <a:ext cx="8229600" cy="2764200"/>
+          </a:xfrm>
+          <a:prstGeom prst="rect">
+            <a:avLst/>
+          </a:prstGeom>
+          <a:noFill/>
+          <a:ln>
+            <a:noFill/>
+          </a:ln>
+        </p:spPr>
+        <p:txBody>
+          <a:bodyPr anchorCtr="0" anchor="t" bIns="45700" lIns="91425" spcFirstLastPara="1" rIns="91425" wrap="square" tIns="45700">
+            <a:noAutofit/>
+          </a:bodyPr>
+          <a:lstStyle/>
+          <a:p>
+            <a:pPr indent="-381000" lvl="0" marL="342900" rtl="0" algn="l">
+              <a:spcBef>
+                <a:spcPts val="0"/>
+              </a:spcBef>
+              <a:spcAft>
+                <a:spcPts val="0"/>
+              </a:spcAft>
+              <a:buSzPts val="2400"/>
+              <a:buChar char="▪"/>
+            </a:pPr>
+            <a:r>
+              <a:rPr lang="en-US" sz="2400"/>
+              <a:t>Mass transit does not appear to directly influence driving behavior; however, trip distance/length has high significance</a:t>
+            </a:r>
+            <a:endParaRPr sz="2400"/>
+          </a:p>
+          <a:p>
+            <a:pPr indent="-381000" lvl="0" marL="342900" rtl="0" algn="l">
+              <a:spcBef>
+                <a:spcPts val="0"/>
+              </a:spcBef>
+              <a:spcAft>
+                <a:spcPts val="0"/>
+              </a:spcAft>
+              <a:buSzPts val="2400"/>
+              <a:buChar char="▪"/>
+            </a:pPr>
+            <a:r>
+              <a:rPr lang="en-US" sz="2400"/>
+              <a:t>Urban areas have higher population so appear to have higher total trips but shorter distances; rural</a:t>
+            </a:r>
+            <a:r>
+              <a:rPr lang="en-US" sz="2400"/>
+              <a:t> areas have lower population so have lower total trips but longer distances</a:t>
+            </a:r>
+            <a:endParaRPr sz="2400"/>
+          </a:p>
+          <a:p>
+            <a:pPr indent="-381000" lvl="0" marL="342900" rtl="0" algn="l">
+              <a:spcBef>
+                <a:spcPts val="0"/>
+              </a:spcBef>
+              <a:spcAft>
+                <a:spcPts val="0"/>
+              </a:spcAft>
+              <a:buSzPts val="2400"/>
+              <a:buChar char="▪"/>
+            </a:pPr>
+            <a:r>
+              <a:rPr lang="en-US" sz="2400"/>
+              <a:t>Households with higher income appear to have higher vehicle count and usage; trip destination also has significance</a:t>
+            </a:r>
+            <a:endParaRPr sz="2400"/>
+          </a:p>
+        </p:txBody>
+      </p:sp>
+      <p:sp>
+        <p:nvSpPr>
+          <p:cNvPr id="204" name="Google Shape;204;p25"/>
+          <p:cNvSpPr txBox="1"/>
+          <p:nvPr>
+            <p:ph idx="11" type="ftr"/>
+          </p:nvPr>
+        </p:nvSpPr>
+        <p:spPr>
+          <a:xfrm>
+            <a:off x="3124200" y="6356350"/>
+            <a:ext cx="2895600" cy="365100"/>
+          </a:xfrm>
+          <a:prstGeom prst="rect">
+            <a:avLst/>
+          </a:prstGeom>
+          <a:noFill/>
+          <a:ln>
+            <a:noFill/>
+          </a:ln>
+        </p:spPr>
+        <p:txBody>
+          <a:bodyPr anchorCtr="0" anchor="ctr" bIns="45700" lIns="91425" spcFirstLastPara="1" rIns="91425" wrap="square" tIns="45700">
+            <a:noAutofit/>
+          </a:bodyPr>
+          <a:lstStyle/>
+          <a:p>
+            <a:pPr indent="0" lvl="0" marL="0" marR="0" rtl="0" algn="ctr">
+              <a:spcBef>
+                <a:spcPts val="0"/>
+              </a:spcBef>
+              <a:spcAft>
+                <a:spcPts val="0"/>
+              </a:spcAft>
+              <a:buClr>
+                <a:srgbClr val="898989"/>
+              </a:buClr>
+              <a:buSzPts val="1200"/>
+              <a:buFont typeface="Noto Sans Symbols"/>
+              <a:buNone/>
+            </a:pPr>
+            <a:r>
+              <a:rPr b="0" i="0" lang="en-US" sz="1200" u="none" cap="none" strike="noStrike">
+                <a:solidFill>
+                  <a:srgbClr val="898989"/>
+                </a:solidFill>
+                <a:latin typeface="Calibri"/>
+                <a:ea typeface="Calibri"/>
+                <a:cs typeface="Calibri"/>
+                <a:sym typeface="Calibri"/>
+              </a:rPr>
+              <a:t>@</a:t>
+            </a:r>
+            <a:r>
+              <a:rPr lang="en-US"/>
+              <a:t>Walter Yu</a:t>
+            </a:r>
+            <a:endParaRPr/>
+          </a:p>
+        </p:txBody>
+      </p:sp>
+      <p:sp>
+        <p:nvSpPr>
+          <p:cNvPr id="205" name="Google Shape;205;p25"/>
+          <p:cNvSpPr txBox="1"/>
+          <p:nvPr>
+            <p:ph idx="12" type="sldNum"/>
+          </p:nvPr>
+        </p:nvSpPr>
+        <p:spPr>
+          <a:xfrm>
+            <a:off x="6553200" y="6356350"/>
+            <a:ext cx="2133600" cy="365100"/>
+          </a:xfrm>
+          <a:prstGeom prst="rect">
+            <a:avLst/>
+          </a:prstGeom>
+          <a:noFill/>
+          <a:ln>
+            <a:noFill/>
+          </a:ln>
+        </p:spPr>
+        <p:txBody>
+          <a:bodyPr anchorCtr="0" anchor="ctr" bIns="45700" lIns="91425" spcFirstLastPara="1" rIns="91425" wrap="square" tIns="45700">
+            <a:noAutofit/>
+          </a:bodyPr>
+          <a:lstStyle/>
+          <a:p>
+            <a:pPr indent="0" lvl="0" marL="0" rtl="0" algn="r">
+              <a:spcBef>
+                <a:spcPts val="0"/>
+              </a:spcBef>
+              <a:spcAft>
+                <a:spcPts val="0"/>
+              </a:spcAft>
+              <a:buNone/>
+            </a:pPr>
+            <a:fld id="{00000000-1234-1234-1234-123412341234}" type="slidenum">
+              <a:rPr lang="en-US"/>
+              <a:t>‹#›</a:t>
+            </a:fld>
+            <a:endParaRPr/>
+          </a:p>
+        </p:txBody>
+      </p:sp>
+      <p:pic>
+        <p:nvPicPr>
+          <p:cNvPr id="206" name="Google Shape;206;p25"/>
+          <p:cNvPicPr preferRelativeResize="0"/>
+          <p:nvPr/>
+        </p:nvPicPr>
+        <p:blipFill>
+          <a:blip r:embed="rId3">
+            <a:alphaModFix/>
+          </a:blip>
+          <a:stretch>
+            <a:fillRect/>
+          </a:stretch>
+        </p:blipFill>
+        <p:spPr>
+          <a:xfrm>
+            <a:off x="2319888" y="836750"/>
+            <a:ext cx="4504224" cy="2364726"/>
+          </a:xfrm>
+          <a:prstGeom prst="rect">
+            <a:avLst/>
+          </a:prstGeom>
+          <a:noFill/>
+          <a:ln>
+            <a:noFill/>
+          </a:ln>
+        </p:spPr>
+      </p:pic>
+      <p:sp>
+        <p:nvSpPr>
+          <p:cNvPr id="207" name="Google Shape;207;p25"/>
+          <p:cNvSpPr txBox="1"/>
+          <p:nvPr>
+            <p:ph idx="1" type="body"/>
+          </p:nvPr>
+        </p:nvSpPr>
+        <p:spPr>
+          <a:xfrm>
+            <a:off x="2630400" y="3268813"/>
+            <a:ext cx="3883200" cy="446400"/>
+          </a:xfrm>
+          <a:prstGeom prst="rect">
+            <a:avLst/>
+          </a:prstGeom>
+          <a:noFill/>
+          <a:ln>
+            <a:noFill/>
+          </a:ln>
+        </p:spPr>
+        <p:txBody>
+          <a:bodyPr anchorCtr="0" anchor="t" bIns="45700" lIns="91425" spcFirstLastPara="1" rIns="91425" wrap="square" tIns="45700">
+            <a:noAutofit/>
+          </a:bodyPr>
+          <a:lstStyle/>
+          <a:p>
+            <a:pPr indent="0" lvl="0" marL="0" rtl="0" algn="l">
+              <a:spcBef>
+                <a:spcPts val="0"/>
+              </a:spcBef>
+              <a:spcAft>
+                <a:spcPts val="0"/>
+              </a:spcAft>
+              <a:buNone/>
+            </a:pPr>
+            <a:r>
+              <a:rPr lang="en-US"/>
+              <a:t>Photo Reference: http://bit.ly/2DZ2avA</a:t>
+            </a:r>
+            <a:endParaRPr/>
+          </a:p>
+        </p:txBody>
+      </p:sp>
+    </p:spTree>
+  </p:cSld>
+  <p:clrMapOvr>
+    <a:masterClrMapping/>
+  </p:clrMapOvr>
+</p:sld>
+</file>
+
+<file path=ppt/slides/slide13.xml><?xml version="1.0" encoding="utf-8"?>
+<p:sld xmlns:a="http://schemas.openxmlformats.org/drawingml/2006/main" xmlns:r="http://schemas.openxmlformats.org/officeDocument/2006/relationships" xmlns:mc="http://schemas.openxmlformats.org/markup-compatibility/2006" xmlns:mv="urn:schemas-microsoft-com:mac:vml" xmlns:p="http://schemas.openxmlformats.org/presentationml/2006/main" xmlns:c="http://schemas.openxmlformats.org/drawingml/2006/chart" xmlns:dgm="http://schemas.openxmlformats.org/drawingml/2006/diagram" xmlns:o="urn:schemas-microsoft-com:office:office" xmlns:v="urn:schemas-microsoft-com:vml" xmlns:pvml="urn:schemas-microsoft-com:office:powerpoint" xmlns:com="http://schemas.openxmlformats.org/drawingml/2006/compatibility" xmlns:p14="http://schemas.microsoft.com/office/powerpoint/2010/main" xmlns:p15="http://schemas.microsoft.com/office/powerpoint/2012/main">
+  <p:cSld>
+    <p:spTree>
+      <p:nvGrpSpPr>
+        <p:cNvPr id="211" name="Shape 211"/>
+        <p:cNvGrpSpPr/>
+        <p:nvPr/>
+      </p:nvGrpSpPr>
+      <p:grpSpPr>
+        <a:xfrm>
+          <a:off x="0" y="0"/>
+          <a:ext cx="0" cy="0"/>
+          <a:chOff x="0" y="0"/>
+          <a:chExt cx="0" cy="0"/>
+        </a:xfrm>
+      </p:grpSpPr>
+      <p:sp>
+        <p:nvSpPr>
+          <p:cNvPr id="212" name="Google Shape;212;p26"/>
+          <p:cNvSpPr txBox="1"/>
+          <p:nvPr>
+            <p:ph type="title"/>
+          </p:nvPr>
+        </p:nvSpPr>
+        <p:spPr>
+          <a:xfrm>
+            <a:off x="457200" y="120651"/>
+            <a:ext cx="8229600" cy="716100"/>
+          </a:xfrm>
+          <a:prstGeom prst="rect">
+            <a:avLst/>
+          </a:prstGeom>
+          <a:noFill/>
+          <a:ln>
+            <a:noFill/>
+          </a:ln>
+        </p:spPr>
+        <p:txBody>
+          <a:bodyPr anchorCtr="0" anchor="ctr" bIns="45700" lIns="91425" spcFirstLastPara="1" rIns="91425" wrap="square" tIns="45700">
+            <a:noAutofit/>
+          </a:bodyPr>
+          <a:lstStyle/>
+          <a:p>
+            <a:pPr indent="0" lvl="0" marL="0" rtl="0" algn="ctr">
+              <a:spcBef>
+                <a:spcPts val="0"/>
+              </a:spcBef>
+              <a:spcAft>
+                <a:spcPts val="0"/>
+              </a:spcAft>
+              <a:buNone/>
+            </a:pPr>
+            <a:r>
+              <a:rPr lang="en-US"/>
+              <a:t>Recommendations</a:t>
+            </a:r>
+            <a:endParaRPr/>
+          </a:p>
+        </p:txBody>
+      </p:sp>
+      <p:sp>
+        <p:nvSpPr>
+          <p:cNvPr id="213" name="Google Shape;213;p26"/>
+          <p:cNvSpPr txBox="1"/>
+          <p:nvPr>
+            <p:ph idx="1" type="body"/>
+          </p:nvPr>
+        </p:nvSpPr>
+        <p:spPr>
+          <a:xfrm>
+            <a:off x="457200" y="4174175"/>
+            <a:ext cx="8229600" cy="2305200"/>
+          </a:xfrm>
+          <a:prstGeom prst="rect">
+            <a:avLst/>
+          </a:prstGeom>
+          <a:noFill/>
+          <a:ln>
+            <a:noFill/>
+          </a:ln>
+        </p:spPr>
+        <p:txBody>
+          <a:bodyPr anchorCtr="0" anchor="t" bIns="45700" lIns="91425" spcFirstLastPara="1" rIns="91425" wrap="square" tIns="45700">
+            <a:noAutofit/>
+          </a:bodyPr>
+          <a:lstStyle/>
+          <a:p>
+            <a:pPr indent="-381000" lvl="0" marL="342900" rtl="0" algn="l">
+              <a:spcBef>
+                <a:spcPts val="0"/>
+              </a:spcBef>
+              <a:spcAft>
+                <a:spcPts val="0"/>
+              </a:spcAft>
+              <a:buSzPts val="2400"/>
+              <a:buChar char="▪"/>
+            </a:pPr>
+            <a:r>
+              <a:rPr lang="en-US" sz="2400"/>
+              <a:t>Public education is recommended to raise awareness</a:t>
+            </a:r>
+            <a:endParaRPr sz="2400"/>
+          </a:p>
+          <a:p>
+            <a:pPr indent="-381000" lvl="0" marL="342900" rtl="0" algn="l">
+              <a:spcBef>
+                <a:spcPts val="0"/>
+              </a:spcBef>
+              <a:spcAft>
+                <a:spcPts val="0"/>
+              </a:spcAft>
+              <a:buSzPts val="2400"/>
+              <a:buChar char="▪"/>
+            </a:pPr>
+            <a:r>
+              <a:rPr lang="en-US" sz="2400"/>
+              <a:t>Results may be useful to urban planners</a:t>
+            </a:r>
+            <a:endParaRPr sz="2400"/>
+          </a:p>
+          <a:p>
+            <a:pPr indent="-381000" lvl="0" marL="342900" rtl="0" algn="l">
+              <a:spcBef>
+                <a:spcPts val="0"/>
+              </a:spcBef>
+              <a:spcAft>
+                <a:spcPts val="0"/>
+              </a:spcAft>
+              <a:buSzPts val="2400"/>
+              <a:buChar char="▪"/>
+            </a:pPr>
+            <a:r>
+              <a:rPr lang="en-US" sz="2400"/>
+              <a:t>Encourage households to take action by living near urban areas instead of relying on urban planning to solve problem</a:t>
+            </a:r>
+            <a:endParaRPr sz="2400"/>
+          </a:p>
+          <a:p>
+            <a:pPr indent="-381000" lvl="0" marL="342900" rtl="0" algn="l">
+              <a:spcBef>
+                <a:spcPts val="0"/>
+              </a:spcBef>
+              <a:spcAft>
+                <a:spcPts val="0"/>
+              </a:spcAft>
+              <a:buSzPts val="2400"/>
+              <a:buChar char="▪"/>
+            </a:pPr>
+            <a:r>
+              <a:rPr lang="en-US" sz="2400"/>
+              <a:t>Mass transit alone is unlikely to reduce vehicle usage; actions to change driving behavior are recommended</a:t>
+            </a:r>
+            <a:endParaRPr sz="2400"/>
+          </a:p>
+        </p:txBody>
+      </p:sp>
+      <p:sp>
+        <p:nvSpPr>
+          <p:cNvPr id="214" name="Google Shape;214;p26"/>
+          <p:cNvSpPr txBox="1"/>
+          <p:nvPr>
+            <p:ph idx="11" type="ftr"/>
+          </p:nvPr>
+        </p:nvSpPr>
+        <p:spPr>
+          <a:xfrm>
+            <a:off x="3124200" y="6356350"/>
+            <a:ext cx="2895600" cy="365100"/>
+          </a:xfrm>
+          <a:prstGeom prst="rect">
+            <a:avLst/>
+          </a:prstGeom>
+          <a:noFill/>
+          <a:ln>
+            <a:noFill/>
+          </a:ln>
+        </p:spPr>
+        <p:txBody>
+          <a:bodyPr anchorCtr="0" anchor="ctr" bIns="45700" lIns="91425" spcFirstLastPara="1" rIns="91425" wrap="square" tIns="45700">
+            <a:noAutofit/>
+          </a:bodyPr>
+          <a:lstStyle/>
+          <a:p>
+            <a:pPr indent="0" lvl="0" marL="0" marR="0" rtl="0" algn="ctr">
+              <a:spcBef>
+                <a:spcPts val="0"/>
+              </a:spcBef>
+              <a:spcAft>
+                <a:spcPts val="0"/>
+              </a:spcAft>
+              <a:buClr>
+                <a:srgbClr val="898989"/>
+              </a:buClr>
+              <a:buSzPts val="1200"/>
+              <a:buFont typeface="Noto Sans Symbols"/>
+              <a:buNone/>
+            </a:pPr>
+            <a:r>
+              <a:rPr b="0" i="0" lang="en-US" sz="1200" u="none" cap="none" strike="noStrike">
+                <a:solidFill>
+                  <a:srgbClr val="898989"/>
+                </a:solidFill>
+                <a:latin typeface="Calibri"/>
+                <a:ea typeface="Calibri"/>
+                <a:cs typeface="Calibri"/>
+                <a:sym typeface="Calibri"/>
+              </a:rPr>
+              <a:t>@</a:t>
+            </a:r>
+            <a:r>
+              <a:rPr lang="en-US"/>
+              <a:t>Walter Yu</a:t>
+            </a:r>
+            <a:endParaRPr/>
+          </a:p>
+        </p:txBody>
+      </p:sp>
+      <p:sp>
+        <p:nvSpPr>
+          <p:cNvPr id="215" name="Google Shape;215;p26"/>
+          <p:cNvSpPr txBox="1"/>
+          <p:nvPr>
+            <p:ph idx="12" type="sldNum"/>
+          </p:nvPr>
+        </p:nvSpPr>
+        <p:spPr>
+          <a:xfrm>
+            <a:off x="6553200" y="6356350"/>
+            <a:ext cx="2133600" cy="365100"/>
+          </a:xfrm>
+          <a:prstGeom prst="rect">
+            <a:avLst/>
+          </a:prstGeom>
+          <a:noFill/>
+          <a:ln>
+            <a:noFill/>
+          </a:ln>
+        </p:spPr>
+        <p:txBody>
+          <a:bodyPr anchorCtr="0" anchor="ctr" bIns="45700" lIns="91425" spcFirstLastPara="1" rIns="91425" wrap="square" tIns="45700">
+            <a:noAutofit/>
+          </a:bodyPr>
+          <a:lstStyle/>
+          <a:p>
+            <a:pPr indent="0" lvl="0" marL="0" rtl="0" algn="r">
+              <a:spcBef>
+                <a:spcPts val="0"/>
+              </a:spcBef>
+              <a:spcAft>
+                <a:spcPts val="0"/>
+              </a:spcAft>
+              <a:buNone/>
+            </a:pPr>
+            <a:fld id="{00000000-1234-1234-1234-123412341234}" type="slidenum">
+              <a:rPr lang="en-US"/>
+              <a:t>‹#›</a:t>
+            </a:fld>
+            <a:endParaRPr/>
+          </a:p>
+        </p:txBody>
+      </p:sp>
+      <p:pic>
+        <p:nvPicPr>
+          <p:cNvPr id="216" name="Google Shape;216;p26"/>
+          <p:cNvPicPr preferRelativeResize="0"/>
+          <p:nvPr/>
+        </p:nvPicPr>
+        <p:blipFill>
+          <a:blip r:embed="rId3">
+            <a:alphaModFix/>
+          </a:blip>
+          <a:stretch>
+            <a:fillRect/>
+          </a:stretch>
+        </p:blipFill>
+        <p:spPr>
+          <a:xfrm>
+            <a:off x="2877825" y="1065350"/>
+            <a:ext cx="3388351" cy="2541274"/>
+          </a:xfrm>
+          <a:prstGeom prst="rect">
+            <a:avLst/>
+          </a:prstGeom>
+          <a:noFill/>
+          <a:ln>
+            <a:noFill/>
+          </a:ln>
+        </p:spPr>
+      </p:pic>
+      <p:sp>
+        <p:nvSpPr>
+          <p:cNvPr id="217" name="Google Shape;217;p26"/>
+          <p:cNvSpPr txBox="1"/>
+          <p:nvPr>
+            <p:ph idx="1" type="body"/>
+          </p:nvPr>
+        </p:nvSpPr>
+        <p:spPr>
+          <a:xfrm>
+            <a:off x="2630400" y="3726013"/>
+            <a:ext cx="3883200" cy="446400"/>
+          </a:xfrm>
+          <a:prstGeom prst="rect">
+            <a:avLst/>
+          </a:prstGeom>
+          <a:noFill/>
+          <a:ln>
+            <a:noFill/>
+          </a:ln>
+        </p:spPr>
+        <p:txBody>
+          <a:bodyPr anchorCtr="0" anchor="t" bIns="45700" lIns="91425" spcFirstLastPara="1" rIns="91425" wrap="square" tIns="45700">
+            <a:noAutofit/>
+          </a:bodyPr>
+          <a:lstStyle/>
+          <a:p>
+            <a:pPr indent="0" lvl="0" marL="0" rtl="0" algn="l">
+              <a:spcBef>
+                <a:spcPts val="0"/>
+              </a:spcBef>
+              <a:spcAft>
+                <a:spcPts val="0"/>
+              </a:spcAft>
+              <a:buNone/>
+            </a:pPr>
+            <a:r>
+              <a:rPr lang="en-US"/>
+              <a:t>Photo Reference: </a:t>
+            </a:r>
+            <a:r>
+              <a:rPr lang="en-US"/>
+              <a:t>http://bit.ly/2E2N7Rh</a:t>
+            </a:r>
+            <a:endParaRPr/>
+          </a:p>
+        </p:txBody>
+      </p:sp>
+    </p:spTree>
+  </p:cSld>
+  <p:clrMapOvr>
+    <a:masterClrMapping/>
+  </p:clrMapOvr>
+</p:sld>
+</file>
+
+<file path=ppt/slides/slide14.xml><?xml version="1.0" encoding="utf-8"?>
+<p:sld xmlns:a="http://schemas.openxmlformats.org/drawingml/2006/main" xmlns:r="http://schemas.openxmlformats.org/officeDocument/2006/relationships" xmlns:mc="http://schemas.openxmlformats.org/markup-compatibility/2006" xmlns:mv="urn:schemas-microsoft-com:mac:vml" xmlns:p="http://schemas.openxmlformats.org/presentationml/2006/main" xmlns:c="http://schemas.openxmlformats.org/drawingml/2006/chart" xmlns:dgm="http://schemas.openxmlformats.org/drawingml/2006/diagram" xmlns:o="urn:schemas-microsoft-com:office:office" xmlns:v="urn:schemas-microsoft-com:vml" xmlns:pvml="urn:schemas-microsoft-com:office:powerpoint" xmlns:com="http://schemas.openxmlformats.org/drawingml/2006/compatibility" xmlns:p14="http://schemas.microsoft.com/office/powerpoint/2010/main" xmlns:p15="http://schemas.microsoft.com/office/powerpoint/2012/main">
+  <p:cSld>
+    <p:spTree>
+      <p:nvGrpSpPr>
+        <p:cNvPr id="221" name="Shape 221"/>
+        <p:cNvGrpSpPr/>
+        <p:nvPr/>
+      </p:nvGrpSpPr>
+      <p:grpSpPr>
+        <a:xfrm>
+          <a:off x="0" y="0"/>
+          <a:ext cx="0" cy="0"/>
+          <a:chOff x="0" y="0"/>
+          <a:chExt cx="0" cy="0"/>
+        </a:xfrm>
+      </p:grpSpPr>
+      <p:sp>
+        <p:nvSpPr>
+          <p:cNvPr id="222" name="Google Shape;222;p27"/>
+          <p:cNvSpPr txBox="1"/>
+          <p:nvPr>
+            <p:ph type="title"/>
+          </p:nvPr>
+        </p:nvSpPr>
+        <p:spPr>
+          <a:xfrm>
+            <a:off x="457200" y="120651"/>
+            <a:ext cx="8229600" cy="715962"/>
+          </a:xfrm>
+          <a:prstGeom prst="rect">
+            <a:avLst/>
+          </a:prstGeom>
+          <a:noFill/>
+          <a:ln>
+            <a:noFill/>
+          </a:ln>
+        </p:spPr>
+        <p:txBody>
+          <a:bodyPr anchorCtr="0" anchor="ctr" bIns="45700" lIns="91425" spcFirstLastPara="1" rIns="91425" wrap="square" tIns="45700">
+            <a:noAutofit/>
+          </a:bodyPr>
+          <a:lstStyle/>
+          <a:p>
+            <a:pPr indent="0" lvl="0" marL="0" rtl="0" algn="ctr">
+              <a:spcBef>
+                <a:spcPts val="0"/>
+              </a:spcBef>
+              <a:spcAft>
+                <a:spcPts val="0"/>
+              </a:spcAft>
+              <a:buNone/>
+            </a:pPr>
+            <a:r>
+              <a:rPr lang="en-US"/>
+              <a:t>YouTube URLs, Last Page</a:t>
+            </a:r>
+            <a:endParaRPr/>
+          </a:p>
+        </p:txBody>
+      </p:sp>
+      <p:sp>
+        <p:nvSpPr>
+          <p:cNvPr id="223" name="Google Shape;223;p27"/>
+          <p:cNvSpPr txBox="1"/>
+          <p:nvPr>
+            <p:ph idx="1" type="body"/>
+          </p:nvPr>
+        </p:nvSpPr>
+        <p:spPr>
+          <a:xfrm>
+            <a:off x="457200" y="914400"/>
+            <a:ext cx="8229600" cy="5334000"/>
+          </a:xfrm>
+          <a:prstGeom prst="rect">
+            <a:avLst/>
+          </a:prstGeom>
+          <a:noFill/>
+          <a:ln>
+            <a:noFill/>
+          </a:ln>
+        </p:spPr>
+        <p:txBody>
+          <a:bodyPr anchorCtr="0" anchor="t" bIns="45700" lIns="91425" spcFirstLastPara="1" rIns="91425" wrap="square" tIns="45700">
+            <a:noAutofit/>
+          </a:bodyPr>
+          <a:lstStyle/>
+          <a:p>
+            <a:pPr indent="-342900" lvl="0" marL="342900" rtl="0" algn="l">
+              <a:spcBef>
+                <a:spcPts val="0"/>
+              </a:spcBef>
+              <a:spcAft>
+                <a:spcPts val="0"/>
+              </a:spcAft>
+              <a:buClr>
+                <a:srgbClr val="0070C0"/>
+              </a:buClr>
+              <a:buSzPts val="1800"/>
+              <a:buFont typeface="Noto Sans Symbols"/>
+              <a:buChar char="▪"/>
+            </a:pPr>
+            <a:r>
+              <a:rPr lang="en-US"/>
+              <a:t>Two minute (short):</a:t>
+            </a:r>
+            <a:endParaRPr/>
+          </a:p>
+          <a:p>
+            <a:pPr indent="-342900" lvl="0" marL="342900" rtl="0" algn="l">
+              <a:spcBef>
+                <a:spcPts val="360"/>
+              </a:spcBef>
+              <a:spcAft>
+                <a:spcPts val="0"/>
+              </a:spcAft>
+              <a:buClr>
+                <a:srgbClr val="0070C0"/>
+              </a:buClr>
+              <a:buSzPts val="1800"/>
+              <a:buFont typeface="Noto Sans Symbols"/>
+              <a:buChar char="▪"/>
+            </a:pPr>
+            <a:r>
+              <a:rPr lang="en-US"/>
+              <a:t>15 minutes (long):</a:t>
+            </a:r>
+            <a:endParaRPr/>
+          </a:p>
+        </p:txBody>
+      </p:sp>
+      <p:sp>
+        <p:nvSpPr>
+          <p:cNvPr id="224" name="Google Shape;224;p27"/>
+          <p:cNvSpPr txBox="1"/>
+          <p:nvPr>
+            <p:ph idx="11" type="ftr"/>
+          </p:nvPr>
+        </p:nvSpPr>
+        <p:spPr>
+          <a:xfrm>
+            <a:off x="3124200" y="6356350"/>
+            <a:ext cx="2895600" cy="365125"/>
+          </a:xfrm>
+          <a:prstGeom prst="rect">
+            <a:avLst/>
+          </a:prstGeom>
+          <a:noFill/>
+          <a:ln>
+            <a:noFill/>
+          </a:ln>
+        </p:spPr>
+        <p:txBody>
+          <a:bodyPr anchorCtr="0" anchor="ctr" bIns="45700" lIns="91425" spcFirstLastPara="1" rIns="91425" wrap="square" tIns="45700">
+            <a:noAutofit/>
+          </a:bodyPr>
+          <a:lstStyle/>
+          <a:p>
+            <a:pPr indent="0" lvl="0" marL="0" rtl="0" algn="ctr">
+              <a:spcBef>
+                <a:spcPts val="0"/>
+              </a:spcBef>
+              <a:spcAft>
+                <a:spcPts val="0"/>
+              </a:spcAft>
+              <a:buClr>
+                <a:srgbClr val="898989"/>
+              </a:buClr>
+              <a:buSzPts val="1200"/>
+              <a:buFont typeface="Noto Sans Symbols"/>
+              <a:buNone/>
+            </a:pPr>
+            <a:r>
+              <a:rPr lang="en-US"/>
+              <a:t>@Walter Yu</a:t>
+            </a:r>
+            <a:endParaRPr/>
+          </a:p>
+        </p:txBody>
+      </p:sp>
+      <p:sp>
+        <p:nvSpPr>
+          <p:cNvPr id="225" name="Google Shape;225;p27"/>
+          <p:cNvSpPr txBox="1"/>
+          <p:nvPr>
+            <p:ph idx="12" type="sldNum"/>
+          </p:nvPr>
+        </p:nvSpPr>
+        <p:spPr>
+          <a:xfrm>
+            <a:off x="6553200" y="6356350"/>
+            <a:ext cx="2133600" cy="365125"/>
+          </a:xfrm>
+          <a:prstGeom prst="rect">
+            <a:avLst/>
+          </a:prstGeom>
+          <a:noFill/>
+          <a:ln>
+            <a:noFill/>
+          </a:ln>
+        </p:spPr>
+        <p:txBody>
+          <a:bodyPr anchorCtr="0" anchor="ctr" bIns="45700" lIns="91425" spcFirstLastPara="1" rIns="91425" wrap="square" tIns="45700">
+            <a:noAutofit/>
+          </a:bodyPr>
+          <a:lstStyle/>
+          <a:p>
+            <a:pPr indent="0" lvl="0" marL="0" rtl="0" algn="r">
+              <a:spcBef>
+                <a:spcPts val="0"/>
+              </a:spcBef>
+              <a:spcAft>
+                <a:spcPts val="0"/>
+              </a:spcAft>
+              <a:buNone/>
+            </a:pPr>
+            <a:fld id="{00000000-1234-1234-1234-123412341234}" type="slidenum">
+              <a:rPr lang="en-US"/>
+              <a:t>‹#›</a:t>
+            </a:fld>
+            <a:endParaRPr/>
+          </a:p>
+        </p:txBody>
+      </p:sp>
+    </p:spTree>
+  </p:cSld>
+  <p:clrMapOvr>
+    <a:masterClrMapping/>
+  </p:clrMapOvr>
+</p:sld>
+</file>
+
 <file path=ppt/slides/slide2.xml><?xml version="1.0" encoding="utf-8"?>
 <p:sld xmlns:a="http://schemas.openxmlformats.org/drawingml/2006/main" xmlns:r="http://schemas.openxmlformats.org/officeDocument/2006/relationships" xmlns:mc="http://schemas.openxmlformats.org/markup-compatibility/2006" xmlns:mv="urn:schemas-microsoft-com:mac:vml" xmlns:p="http://schemas.openxmlformats.org/presentationml/2006/main" xmlns:c="http://schemas.openxmlformats.org/drawingml/2006/chart" xmlns:dgm="http://schemas.openxmlformats.org/drawingml/2006/diagram" xmlns:o="urn:schemas-microsoft-com:office:office" xmlns:v="urn:schemas-microsoft-com:vml" xmlns:pvml="urn:schemas-microsoft-com:office:powerpoint" xmlns:com="http://schemas.openxmlformats.org/drawingml/2006/compatibility" xmlns:p14="http://schemas.microsoft.com/office/powerpoint/2010/main" xmlns:p15="http://schemas.microsoft.com/office/powerpoint/2012/main">
   <p:cSld>
@@ -14199,8 +16775,8 @@
         </p:nvSpPr>
         <p:spPr>
           <a:xfrm>
-            <a:off x="457200" y="914400"/>
-            <a:ext cx="8229600" cy="5334000"/>
+            <a:off x="457200" y="1130275"/>
+            <a:ext cx="8229600" cy="1757400"/>
           </a:xfrm>
           <a:prstGeom prst="rect">
             <a:avLst/>
@@ -14216,7 +16792,7 @@
           </a:bodyPr>
           <a:lstStyle/>
           <a:p>
-            <a:pPr indent="-342900" lvl="0" marL="342900" rtl="0" algn="l">
+            <a:pPr indent="-381000" lvl="0" marL="342900" rtl="0" algn="l">
               <a:spcBef>
                 <a:spcPts val="0"/>
               </a:spcBef>
@@ -14226,66 +16802,79 @@
               <a:buClr>
                 <a:srgbClr val="0070C0"/>
               </a:buClr>
-              <a:buSzPts val="1800"/>
+              <a:buSzPts val="2400"/>
               <a:buFont typeface="Noto Sans Symbols"/>
               <a:buChar char="▪"/>
             </a:pPr>
             <a:r>
-              <a:rPr lang="en-US"/>
-              <a:t>Analyze federal trasnporatation dataset (NHTS) to identify commuter trends</a:t>
+              <a:rPr lang="en-US" sz="2400"/>
+              <a:t>Analyze commuter data (NHTS) to identify trends</a:t>
             </a:r>
-            <a:endParaRPr/>
+            <a:endParaRPr sz="2400"/>
           </a:p>
           <a:p>
-            <a:pPr indent="-342900" lvl="0" marL="342900" rtl="0" algn="l">
-              <a:spcBef>
-                <a:spcPts val="0"/>
-              </a:spcBef>
-              <a:spcAft>
-                <a:spcPts val="0"/>
-              </a:spcAft>
-              <a:buSzPts val="1800"/>
+            <a:pPr indent="-381000" lvl="0" marL="342900" rtl="0" algn="l">
+              <a:spcBef>
+                <a:spcPts val="0"/>
+              </a:spcBef>
+              <a:spcAft>
+                <a:spcPts val="0"/>
+              </a:spcAft>
+              <a:buSzPts val="2400"/>
               <a:buChar char="▪"/>
             </a:pPr>
             <a:r>
-              <a:rPr lang="en-US"/>
-              <a:t>Trends may help reduce U.S. commute time</a:t>
+              <a:rPr lang="en-US" sz="2400"/>
+              <a:t>Goal to reduce U.S. commute time</a:t>
             </a:r>
-            <a:endParaRPr/>
+            <a:endParaRPr sz="2400"/>
           </a:p>
           <a:p>
-            <a:pPr indent="-342900" lvl="0" marL="342900" rtl="0" algn="l">
-              <a:spcBef>
-                <a:spcPts val="0"/>
-              </a:spcBef>
-              <a:spcAft>
-                <a:spcPts val="0"/>
-              </a:spcAft>
-              <a:buSzPts val="1800"/>
+            <a:pPr indent="-381000" lvl="0" marL="342900" rtl="0" algn="l">
+              <a:spcBef>
+                <a:spcPts val="0"/>
+              </a:spcBef>
+              <a:spcAft>
+                <a:spcPts val="0"/>
+              </a:spcAft>
+              <a:buSzPts val="2400"/>
               <a:buChar char="▪"/>
             </a:pPr>
             <a:r>
-              <a:rPr lang="en-US"/>
-              <a:t>Machine learning and graph analysis </a:t>
+              <a:rPr lang="en-US" sz="2400"/>
+              <a:t>Machine learning (ML) and graph analysis</a:t>
             </a:r>
-            <a:endParaRPr/>
+            <a:endParaRPr sz="2400"/>
           </a:p>
           <a:p>
-            <a:pPr indent="-342900" lvl="0" marL="342900" rtl="0" algn="l">
-              <a:spcBef>
-                <a:spcPts val="0"/>
-              </a:spcBef>
-              <a:spcAft>
-                <a:spcPts val="0"/>
-              </a:spcAft>
-              <a:buSzPts val="1800"/>
+            <a:pPr indent="-381000" lvl="0" marL="342900" rtl="0" algn="l">
+              <a:spcBef>
+                <a:spcPts val="0"/>
+              </a:spcBef>
+              <a:spcAft>
+                <a:spcPts val="0"/>
+              </a:spcAft>
+              <a:buSzPts val="2400"/>
               <a:buChar char="▪"/>
             </a:pPr>
             <a:r>
-              <a:rPr lang="en-US"/>
-              <a:t>Based on 2017 NHTS Data Challenge contest entry</a:t>
+              <a:rPr lang="en-US" sz="2400"/>
+              <a:t>Github: </a:t>
             </a:r>
-            <a:endParaRPr/>
+            <a:r>
+              <a:rPr lang="en-US" sz="2400" u="sng">
+                <a:solidFill>
+                  <a:schemeClr val="hlink"/>
+                </a:solidFill>
+                <a:hlinkClick r:id="rId3"/>
+              </a:rPr>
+              <a:t>https://github.com/walteryu/e63-final</a:t>
+            </a:r>
+            <a:r>
+              <a:rPr lang="en-US" sz="2400"/>
+              <a:t> </a:t>
+            </a:r>
+            <a:endParaRPr sz="2400"/>
           </a:p>
         </p:txBody>
       </p:sp>
@@ -14394,6 +16983,62 @@
           </a:p>
         </p:txBody>
       </p:sp>
+      <p:pic>
+        <p:nvPicPr>
+          <p:cNvPr id="112" name="Google Shape;112;p15"/>
+          <p:cNvPicPr preferRelativeResize="0"/>
+          <p:nvPr/>
+        </p:nvPicPr>
+        <p:blipFill>
+          <a:blip r:embed="rId4">
+            <a:alphaModFix/>
+          </a:blip>
+          <a:stretch>
+            <a:fillRect/>
+          </a:stretch>
+        </p:blipFill>
+        <p:spPr>
+          <a:xfrm>
+            <a:off x="256275" y="3429000"/>
+            <a:ext cx="3333750" cy="2162175"/>
+          </a:xfrm>
+          <a:prstGeom prst="rect">
+            <a:avLst/>
+          </a:prstGeom>
+          <a:noFill/>
+          <a:ln>
+            <a:noFill/>
+          </a:ln>
+        </p:spPr>
+      </p:pic>
+      <p:pic>
+        <p:nvPicPr>
+          <p:cNvPr id="113" name="Google Shape;113;p15"/>
+          <p:cNvPicPr preferRelativeResize="0"/>
+          <p:nvPr/>
+        </p:nvPicPr>
+        <p:blipFill>
+          <a:blip r:embed="rId5">
+            <a:alphaModFix/>
+          </a:blip>
+          <a:stretch>
+            <a:fillRect/>
+          </a:stretch>
+        </p:blipFill>
+        <p:spPr>
+          <a:xfrm>
+            <a:off x="4047225" y="3421075"/>
+            <a:ext cx="4848225" cy="2228850"/>
+          </a:xfrm>
+          <a:prstGeom prst="rect">
+            <a:avLst/>
+          </a:prstGeom>
+          <a:noFill/>
+          <a:ln>
+            <a:noFill/>
+          </a:ln>
+        </p:spPr>
+      </p:pic>
     </p:spTree>
   </p:cSld>
   <p:clrMapOvr>
@@ -14407,7 +17052,7 @@
   <p:cSld>
     <p:spTree>
       <p:nvGrpSpPr>
-        <p:cNvPr id="115" name="Shape 115"/>
+        <p:cNvPr id="117" name="Shape 117"/>
         <p:cNvGrpSpPr/>
         <p:nvPr/>
       </p:nvGrpSpPr>
@@ -14421,7 +17066,7 @@
       </p:grpSpPr>
       <p:sp>
         <p:nvSpPr>
-          <p:cNvPr id="116" name="Google Shape;116;p16"/>
+          <p:cNvPr id="118" name="Google Shape;118;p16"/>
           <p:cNvSpPr txBox="1"/>
           <p:nvPr>
             <p:ph type="title"/>
@@ -14430,7 +17075,7 @@
         <p:spPr>
           <a:xfrm>
             <a:off x="457200" y="120651"/>
-            <a:ext cx="8229600" cy="715962"/>
+            <a:ext cx="8229600" cy="716100"/>
           </a:xfrm>
           <a:prstGeom prst="rect">
             <a:avLst/>
@@ -14457,7 +17102,7 @@
             </a:pPr>
             <a:r>
               <a:rPr lang="en-US"/>
-              <a:t>YouTube URLs, Last Page</a:t>
+              <a:t>Introduction</a:t>
             </a:r>
             <a:endParaRPr/>
           </a:p>
@@ -14465,7 +17110,7 @@
       </p:sp>
       <p:sp>
         <p:nvSpPr>
-          <p:cNvPr id="117" name="Google Shape;117;p16"/>
+          <p:cNvPr id="119" name="Google Shape;119;p16"/>
           <p:cNvSpPr txBox="1"/>
           <p:nvPr>
             <p:ph idx="1" type="body"/>
@@ -14474,7 +17119,7 @@
         <p:spPr>
           <a:xfrm>
             <a:off x="457200" y="914400"/>
-            <a:ext cx="8229600" cy="5334000"/>
+            <a:ext cx="8229600" cy="2044800"/>
           </a:xfrm>
           <a:prstGeom prst="rect">
             <a:avLst/>
@@ -14490,52 +17135,91 @@
           </a:bodyPr>
           <a:lstStyle/>
           <a:p>
-            <a:pPr indent="-342900" lvl="0" marL="342900" rtl="0" algn="l">
-              <a:spcBef>
-                <a:spcPts val="0"/>
-              </a:spcBef>
-              <a:spcAft>
-                <a:spcPts val="0"/>
-              </a:spcAft>
-              <a:buClr>
-                <a:srgbClr val="0070C0"/>
-              </a:buClr>
-              <a:buSzPts val="1800"/>
-              <a:buFont typeface="Noto Sans Symbols"/>
+            <a:pPr indent="-381000" lvl="0" marL="342900" rtl="0" algn="l">
+              <a:spcBef>
+                <a:spcPts val="0"/>
+              </a:spcBef>
+              <a:spcAft>
+                <a:spcPts val="0"/>
+              </a:spcAft>
+              <a:buSzPts val="2400"/>
               <a:buChar char="▪"/>
             </a:pPr>
             <a:r>
-              <a:rPr lang="en-US"/>
-              <a:t>Two minute (short):</a:t>
+              <a:rPr lang="en-US" sz="2400"/>
+              <a:t>National Household Transportation Survey (NHTS) dataset: </a:t>
             </a:r>
-            <a:endParaRPr/>
+            <a:r>
+              <a:rPr lang="en-US" sz="2400" u="sng">
+                <a:solidFill>
+                  <a:schemeClr val="hlink"/>
+                </a:solidFill>
+                <a:hlinkClick r:id="rId3"/>
+              </a:rPr>
+              <a:t>https://nhts.ornl.gov/</a:t>
+            </a:r>
+            <a:r>
+              <a:rPr lang="en-US" sz="2400"/>
+              <a:t> </a:t>
+            </a:r>
+            <a:endParaRPr sz="2400"/>
           </a:p>
           <a:p>
-            <a:pPr indent="-342900" lvl="0" marL="342900" rtl="0" algn="l">
-              <a:spcBef>
-                <a:spcPts val="360"/>
-              </a:spcBef>
-              <a:spcAft>
-                <a:spcPts val="0"/>
-              </a:spcAft>
-              <a:buClr>
-                <a:srgbClr val="0070C0"/>
-              </a:buClr>
-              <a:buSzPts val="1800"/>
-              <a:buFont typeface="Noto Sans Symbols"/>
+            <a:pPr indent="-381000" lvl="0" marL="342900" rtl="0" algn="l">
+              <a:spcBef>
+                <a:spcPts val="0"/>
+              </a:spcBef>
+              <a:spcAft>
+                <a:spcPts val="0"/>
+              </a:spcAft>
+              <a:buSzPts val="2400"/>
               <a:buChar char="▪"/>
             </a:pPr>
             <a:r>
-              <a:rPr lang="en-US"/>
-              <a:t>15 minutes (long):</a:t>
+              <a:rPr lang="en-US" sz="2400"/>
+              <a:t>Based on 2017 NHTS Data Challenge contest entry</a:t>
             </a:r>
-            <a:endParaRPr/>
+            <a:endParaRPr sz="2400"/>
+          </a:p>
+          <a:p>
+            <a:pPr indent="-381000" lvl="0" marL="342900" rtl="0" algn="l">
+              <a:spcBef>
+                <a:spcPts val="0"/>
+              </a:spcBef>
+              <a:spcAft>
+                <a:spcPts val="0"/>
+              </a:spcAft>
+              <a:buSzPts val="2400"/>
+              <a:buChar char="▪"/>
+            </a:pPr>
+            <a:r>
+              <a:rPr lang="en-US" sz="2400"/>
+              <a:t>Final project extends analysis with ML and graph analysis</a:t>
+            </a:r>
+            <a:endParaRPr sz="2400"/>
+          </a:p>
+          <a:p>
+            <a:pPr indent="-381000" lvl="0" marL="342900" rtl="0" algn="l">
+              <a:spcBef>
+                <a:spcPts val="0"/>
+              </a:spcBef>
+              <a:spcAft>
+                <a:spcPts val="0"/>
+              </a:spcAft>
+              <a:buSzPts val="2400"/>
+              <a:buChar char="▪"/>
+            </a:pPr>
+            <a:r>
+              <a:rPr lang="en-US" sz="2400"/>
+              <a:t>National survey with ~1M records; ~700MB total</a:t>
+            </a:r>
+            <a:endParaRPr sz="2400"/>
           </a:p>
         </p:txBody>
       </p:sp>
       <p:sp>
         <p:nvSpPr>
-          <p:cNvPr id="118" name="Google Shape;118;p16"/>
+          <p:cNvPr id="120" name="Google Shape;120;p16"/>
           <p:cNvSpPr txBox="1"/>
           <p:nvPr>
             <p:ph idx="11" type="ftr"/>
@@ -14544,7 +17228,165 @@
         <p:spPr>
           <a:xfrm>
             <a:off x="3124200" y="6356350"/>
-            <a:ext cx="2895600" cy="365125"/>
+            <a:ext cx="2895600" cy="365100"/>
+          </a:xfrm>
+          <a:prstGeom prst="rect">
+            <a:avLst/>
+          </a:prstGeom>
+          <a:noFill/>
+          <a:ln>
+            <a:noFill/>
+          </a:ln>
+        </p:spPr>
+        <p:txBody>
+          <a:bodyPr anchorCtr="0" anchor="ctr" bIns="45700" lIns="91425" spcFirstLastPara="1" rIns="91425" wrap="square" tIns="45700">
+            <a:noAutofit/>
+          </a:bodyPr>
+          <a:lstStyle/>
+          <a:p>
+            <a:pPr indent="0" lvl="0" marL="0" marR="0" rtl="0" algn="ctr">
+              <a:spcBef>
+                <a:spcPts val="0"/>
+              </a:spcBef>
+              <a:spcAft>
+                <a:spcPts val="0"/>
+              </a:spcAft>
+              <a:buClr>
+                <a:srgbClr val="898989"/>
+              </a:buClr>
+              <a:buSzPts val="1200"/>
+              <a:buFont typeface="Noto Sans Symbols"/>
+              <a:buNone/>
+            </a:pPr>
+            <a:r>
+              <a:rPr b="0" i="0" lang="en-US" sz="1200" u="none" cap="none" strike="noStrike">
+                <a:solidFill>
+                  <a:srgbClr val="898989"/>
+                </a:solidFill>
+                <a:latin typeface="Calibri"/>
+                <a:ea typeface="Calibri"/>
+                <a:cs typeface="Calibri"/>
+                <a:sym typeface="Calibri"/>
+              </a:rPr>
+              <a:t>@</a:t>
+            </a:r>
+            <a:r>
+              <a:rPr lang="en-US"/>
+              <a:t>Walter Yu</a:t>
+            </a:r>
+            <a:endParaRPr/>
+          </a:p>
+        </p:txBody>
+      </p:sp>
+      <p:sp>
+        <p:nvSpPr>
+          <p:cNvPr id="121" name="Google Shape;121;p16"/>
+          <p:cNvSpPr txBox="1"/>
+          <p:nvPr>
+            <p:ph idx="12" type="sldNum"/>
+          </p:nvPr>
+        </p:nvSpPr>
+        <p:spPr>
+          <a:xfrm>
+            <a:off x="6553200" y="6356350"/>
+            <a:ext cx="2133600" cy="365100"/>
+          </a:xfrm>
+          <a:prstGeom prst="rect">
+            <a:avLst/>
+          </a:prstGeom>
+          <a:noFill/>
+          <a:ln>
+            <a:noFill/>
+          </a:ln>
+        </p:spPr>
+        <p:txBody>
+          <a:bodyPr anchorCtr="0" anchor="ctr" bIns="45700" lIns="91425" spcFirstLastPara="1" rIns="91425" wrap="square" tIns="45700">
+            <a:noAutofit/>
+          </a:bodyPr>
+          <a:lstStyle/>
+          <a:p>
+            <a:pPr indent="0" lvl="0" marL="0" rtl="0" algn="r">
+              <a:spcBef>
+                <a:spcPts val="0"/>
+              </a:spcBef>
+              <a:spcAft>
+                <a:spcPts val="0"/>
+              </a:spcAft>
+              <a:buNone/>
+            </a:pPr>
+            <a:fld id="{00000000-1234-1234-1234-123412341234}" type="slidenum">
+              <a:rPr lang="en-US"/>
+              <a:t>‹#›</a:t>
+            </a:fld>
+            <a:endParaRPr/>
+          </a:p>
+        </p:txBody>
+      </p:sp>
+      <p:pic>
+        <p:nvPicPr>
+          <p:cNvPr id="122" name="Google Shape;122;p16"/>
+          <p:cNvPicPr preferRelativeResize="0"/>
+          <p:nvPr/>
+        </p:nvPicPr>
+        <p:blipFill>
+          <a:blip r:embed="rId4">
+            <a:alphaModFix/>
+          </a:blip>
+          <a:stretch>
+            <a:fillRect/>
+          </a:stretch>
+        </p:blipFill>
+        <p:spPr>
+          <a:xfrm>
+            <a:off x="2222986" y="3071300"/>
+            <a:ext cx="4698025" cy="3109162"/>
+          </a:xfrm>
+          <a:prstGeom prst="rect">
+            <a:avLst/>
+          </a:prstGeom>
+          <a:noFill/>
+          <a:ln>
+            <a:noFill/>
+          </a:ln>
+        </p:spPr>
+      </p:pic>
+    </p:spTree>
+  </p:cSld>
+  <p:clrMapOvr>
+    <a:masterClrMapping/>
+  </p:clrMapOvr>
+</p:sld>
+</file>
+
+<file path=ppt/slides/slide4.xml><?xml version="1.0" encoding="utf-8"?>
+<p:sld xmlns:a="http://schemas.openxmlformats.org/drawingml/2006/main" xmlns:r="http://schemas.openxmlformats.org/officeDocument/2006/relationships" xmlns:mc="http://schemas.openxmlformats.org/markup-compatibility/2006" xmlns:mv="urn:schemas-microsoft-com:mac:vml" xmlns:p="http://schemas.openxmlformats.org/presentationml/2006/main" xmlns:c="http://schemas.openxmlformats.org/drawingml/2006/chart" xmlns:dgm="http://schemas.openxmlformats.org/drawingml/2006/diagram" xmlns:o="urn:schemas-microsoft-com:office:office" xmlns:v="urn:schemas-microsoft-com:vml" xmlns:pvml="urn:schemas-microsoft-com:office:powerpoint" xmlns:com="http://schemas.openxmlformats.org/drawingml/2006/compatibility" xmlns:p14="http://schemas.microsoft.com/office/powerpoint/2010/main" xmlns:p15="http://schemas.microsoft.com/office/powerpoint/2012/main">
+  <p:cSld>
+    <p:spTree>
+      <p:nvGrpSpPr>
+        <p:cNvPr id="126" name="Shape 126"/>
+        <p:cNvGrpSpPr/>
+        <p:nvPr/>
+      </p:nvGrpSpPr>
+      <p:grpSpPr>
+        <a:xfrm>
+          <a:off x="0" y="0"/>
+          <a:ext cx="0" cy="0"/>
+          <a:chOff x="0" y="0"/>
+          <a:chExt cx="0" cy="0"/>
+        </a:xfrm>
+      </p:grpSpPr>
+      <p:sp>
+        <p:nvSpPr>
+          <p:cNvPr id="127" name="Google Shape;127;p17"/>
+          <p:cNvSpPr txBox="1"/>
+          <p:nvPr>
+            <p:ph type="title"/>
+          </p:nvPr>
+        </p:nvSpPr>
+        <p:spPr>
+          <a:xfrm>
+            <a:off x="457200" y="120651"/>
+            <a:ext cx="8229600" cy="716100"/>
           </a:xfrm>
           <a:prstGeom prst="rect">
             <a:avLst/>
@@ -14567,16 +17409,11 @@
               <a:spcAft>
                 <a:spcPts val="0"/>
               </a:spcAft>
-              <a:buClr>
-                <a:srgbClr val="898989"/>
-              </a:buClr>
-              <a:buSzPts val="1200"/>
-              <a:buFont typeface="Noto Sans Symbols"/>
               <a:buNone/>
             </a:pPr>
             <a:r>
               <a:rPr lang="en-US"/>
-              <a:t>@Walter Yu</a:t>
+              <a:t>Data Analysis</a:t>
             </a:r>
             <a:endParaRPr/>
           </a:p>
@@ -14584,7 +17421,164 @@
       </p:sp>
       <p:sp>
         <p:nvSpPr>
-          <p:cNvPr id="119" name="Google Shape;119;p16"/>
+          <p:cNvPr id="128" name="Google Shape;128;p17"/>
+          <p:cNvSpPr txBox="1"/>
+          <p:nvPr>
+            <p:ph idx="1" type="body"/>
+          </p:nvPr>
+        </p:nvSpPr>
+        <p:spPr>
+          <a:xfrm>
+            <a:off x="457200" y="914400"/>
+            <a:ext cx="8229600" cy="1687500"/>
+          </a:xfrm>
+          <a:prstGeom prst="rect">
+            <a:avLst/>
+          </a:prstGeom>
+          <a:noFill/>
+          <a:ln>
+            <a:noFill/>
+          </a:ln>
+        </p:spPr>
+        <p:txBody>
+          <a:bodyPr anchorCtr="0" anchor="t" bIns="45700" lIns="91425" spcFirstLastPara="1" rIns="91425" wrap="square" tIns="45700">
+            <a:noAutofit/>
+          </a:bodyPr>
+          <a:lstStyle/>
+          <a:p>
+            <a:pPr indent="-381000" lvl="0" marL="342900" rtl="0" algn="l">
+              <a:spcBef>
+                <a:spcPts val="0"/>
+              </a:spcBef>
+              <a:spcAft>
+                <a:spcPts val="0"/>
+              </a:spcAft>
+              <a:buSzPts val="2400"/>
+              <a:buChar char="▪"/>
+            </a:pPr>
+            <a:r>
+              <a:rPr lang="en-US" sz="2400"/>
+              <a:t>Data cleaning, exploration and visualization</a:t>
+            </a:r>
+            <a:endParaRPr sz="2400"/>
+          </a:p>
+          <a:p>
+            <a:pPr indent="-381000" lvl="0" marL="342900" rtl="0" algn="l">
+              <a:spcBef>
+                <a:spcPts val="0"/>
+              </a:spcBef>
+              <a:spcAft>
+                <a:spcPts val="0"/>
+              </a:spcAft>
+              <a:buSzPts val="2400"/>
+              <a:buChar char="▪"/>
+            </a:pPr>
+            <a:r>
+              <a:rPr lang="en-US" sz="2400"/>
+              <a:t>Calculate summary statistics</a:t>
+            </a:r>
+            <a:endParaRPr sz="2400"/>
+          </a:p>
+          <a:p>
+            <a:pPr indent="-381000" lvl="0" marL="342900" rtl="0" algn="l">
+              <a:spcBef>
+                <a:spcPts val="0"/>
+              </a:spcBef>
+              <a:spcAft>
+                <a:spcPts val="0"/>
+              </a:spcAft>
+              <a:buSzPts val="2400"/>
+              <a:buChar char="▪"/>
+            </a:pPr>
+            <a:r>
+              <a:rPr lang="en-US" sz="2400"/>
+              <a:t>Analyze with ML and graph analysis</a:t>
+            </a:r>
+            <a:endParaRPr sz="2400"/>
+          </a:p>
+          <a:p>
+            <a:pPr indent="-381000" lvl="0" marL="342900" rtl="0" algn="l">
+              <a:spcBef>
+                <a:spcPts val="0"/>
+              </a:spcBef>
+              <a:spcAft>
+                <a:spcPts val="0"/>
+              </a:spcAft>
+              <a:buSzPts val="2400"/>
+              <a:buChar char="▪"/>
+            </a:pPr>
+            <a:r>
+              <a:rPr lang="en-US" sz="2400"/>
+              <a:t>Document results in Jupyter Notebook</a:t>
+            </a:r>
+            <a:endParaRPr sz="2400"/>
+          </a:p>
+        </p:txBody>
+      </p:sp>
+      <p:sp>
+        <p:nvSpPr>
+          <p:cNvPr id="129" name="Google Shape;129;p17"/>
+          <p:cNvSpPr txBox="1"/>
+          <p:nvPr>
+            <p:ph idx="11" type="ftr"/>
+          </p:nvPr>
+        </p:nvSpPr>
+        <p:spPr>
+          <a:xfrm>
+            <a:off x="3124200" y="6356350"/>
+            <a:ext cx="2895600" cy="365100"/>
+          </a:xfrm>
+          <a:prstGeom prst="rect">
+            <a:avLst/>
+          </a:prstGeom>
+          <a:noFill/>
+          <a:ln>
+            <a:noFill/>
+          </a:ln>
+        </p:spPr>
+        <p:txBody>
+          <a:bodyPr anchorCtr="0" anchor="ctr" bIns="45700" lIns="91425" spcFirstLastPara="1" rIns="91425" wrap="square" tIns="45700">
+            <a:noAutofit/>
+          </a:bodyPr>
+          <a:lstStyle/>
+          <a:p>
+            <a:pPr indent="0" lvl="0" marL="0" marR="0" rtl="0" algn="ctr">
+              <a:spcBef>
+                <a:spcPts val="0"/>
+              </a:spcBef>
+              <a:spcAft>
+                <a:spcPts val="0"/>
+              </a:spcAft>
+              <a:buClr>
+                <a:srgbClr val="898989"/>
+              </a:buClr>
+              <a:buSzPts val="1200"/>
+              <a:buFont typeface="Noto Sans Symbols"/>
+              <a:buNone/>
+            </a:pPr>
+            <a:r>
+              <a:rPr b="0" i="0" lang="en-US" sz="1200" u="none" cap="none" strike="noStrike">
+                <a:solidFill>
+                  <a:srgbClr val="898989"/>
+                </a:solidFill>
+                <a:latin typeface="Calibri"/>
+                <a:ea typeface="Calibri"/>
+                <a:cs typeface="Calibri"/>
+                <a:sym typeface="Calibri"/>
+              </a:rPr>
+              <a:t>@</a:t>
+            </a:r>
+            <a:r>
+              <a:rPr lang="en-US"/>
+              <a:t>Walter Yu</a:t>
+            </a:r>
+            <a:endParaRPr/>
+          </a:p>
+        </p:txBody>
+      </p:sp>
+      <p:sp>
+        <p:nvSpPr>
+          <p:cNvPr id="130" name="Google Shape;130;p17"/>
           <p:cNvSpPr txBox="1"/>
           <p:nvPr>
             <p:ph idx="12" type="sldNum"/>
@@ -14593,7 +17587,7 @@
         <p:spPr>
           <a:xfrm>
             <a:off x="6553200" y="6356350"/>
-            <a:ext cx="2133600" cy="365125"/>
+            <a:ext cx="2133600" cy="365100"/>
           </a:xfrm>
           <a:prstGeom prst="rect">
             <a:avLst/>
@@ -14626,6 +17620,1599 @@
           </a:p>
         </p:txBody>
       </p:sp>
+      <p:pic>
+        <p:nvPicPr>
+          <p:cNvPr id="131" name="Google Shape;131;p17"/>
+          <p:cNvPicPr preferRelativeResize="0"/>
+          <p:nvPr/>
+        </p:nvPicPr>
+        <p:blipFill>
+          <a:blip r:embed="rId3">
+            <a:alphaModFix/>
+          </a:blip>
+          <a:stretch>
+            <a:fillRect/>
+          </a:stretch>
+        </p:blipFill>
+        <p:spPr>
+          <a:xfrm>
+            <a:off x="152400" y="2754300"/>
+            <a:ext cx="8839200" cy="3272495"/>
+          </a:xfrm>
+          <a:prstGeom prst="rect">
+            <a:avLst/>
+          </a:prstGeom>
+          <a:noFill/>
+          <a:ln>
+            <a:noFill/>
+          </a:ln>
+        </p:spPr>
+      </p:pic>
+    </p:spTree>
+  </p:cSld>
+  <p:clrMapOvr>
+    <a:masterClrMapping/>
+  </p:clrMapOvr>
+</p:sld>
+</file>
+
+<file path=ppt/slides/slide5.xml><?xml version="1.0" encoding="utf-8"?>
+<p:sld xmlns:a="http://schemas.openxmlformats.org/drawingml/2006/main" xmlns:r="http://schemas.openxmlformats.org/officeDocument/2006/relationships" xmlns:mc="http://schemas.openxmlformats.org/markup-compatibility/2006" xmlns:mv="urn:schemas-microsoft-com:mac:vml" xmlns:p="http://schemas.openxmlformats.org/presentationml/2006/main" xmlns:c="http://schemas.openxmlformats.org/drawingml/2006/chart" xmlns:dgm="http://schemas.openxmlformats.org/drawingml/2006/diagram" xmlns:o="urn:schemas-microsoft-com:office:office" xmlns:v="urn:schemas-microsoft-com:vml" xmlns:pvml="urn:schemas-microsoft-com:office:powerpoint" xmlns:com="http://schemas.openxmlformats.org/drawingml/2006/compatibility" xmlns:p14="http://schemas.microsoft.com/office/powerpoint/2010/main" xmlns:p15="http://schemas.microsoft.com/office/powerpoint/2012/main">
+  <p:cSld>
+    <p:spTree>
+      <p:nvGrpSpPr>
+        <p:cNvPr id="135" name="Shape 135"/>
+        <p:cNvGrpSpPr/>
+        <p:nvPr/>
+      </p:nvGrpSpPr>
+      <p:grpSpPr>
+        <a:xfrm>
+          <a:off x="0" y="0"/>
+          <a:ext cx="0" cy="0"/>
+          <a:chOff x="0" y="0"/>
+          <a:chExt cx="0" cy="0"/>
+        </a:xfrm>
+      </p:grpSpPr>
+      <p:sp>
+        <p:nvSpPr>
+          <p:cNvPr id="136" name="Google Shape;136;p18"/>
+          <p:cNvSpPr txBox="1"/>
+          <p:nvPr>
+            <p:ph type="title"/>
+          </p:nvPr>
+        </p:nvSpPr>
+        <p:spPr>
+          <a:xfrm>
+            <a:off x="457200" y="120651"/>
+            <a:ext cx="8229600" cy="716100"/>
+          </a:xfrm>
+          <a:prstGeom prst="rect">
+            <a:avLst/>
+          </a:prstGeom>
+          <a:noFill/>
+          <a:ln>
+            <a:noFill/>
+          </a:ln>
+        </p:spPr>
+        <p:txBody>
+          <a:bodyPr anchorCtr="0" anchor="ctr" bIns="45700" lIns="91425" spcFirstLastPara="1" rIns="91425" wrap="square" tIns="45700">
+            <a:noAutofit/>
+          </a:bodyPr>
+          <a:lstStyle/>
+          <a:p>
+            <a:pPr indent="0" lvl="0" marL="0" rtl="0" algn="ctr">
+              <a:spcBef>
+                <a:spcPts val="0"/>
+              </a:spcBef>
+              <a:spcAft>
+                <a:spcPts val="0"/>
+              </a:spcAft>
+              <a:buNone/>
+            </a:pPr>
+            <a:r>
+              <a:rPr lang="en-US"/>
+              <a:t>ML and Graph Analysis</a:t>
+            </a:r>
+            <a:endParaRPr/>
+          </a:p>
+        </p:txBody>
+      </p:sp>
+      <p:sp>
+        <p:nvSpPr>
+          <p:cNvPr id="137" name="Google Shape;137;p18"/>
+          <p:cNvSpPr txBox="1"/>
+          <p:nvPr>
+            <p:ph idx="1" type="body"/>
+          </p:nvPr>
+        </p:nvSpPr>
+        <p:spPr>
+          <a:xfrm>
+            <a:off x="457200" y="1069953"/>
+            <a:ext cx="8229600" cy="1420200"/>
+          </a:xfrm>
+          <a:prstGeom prst="rect">
+            <a:avLst/>
+          </a:prstGeom>
+          <a:noFill/>
+          <a:ln>
+            <a:noFill/>
+          </a:ln>
+        </p:spPr>
+        <p:txBody>
+          <a:bodyPr anchorCtr="0" anchor="t" bIns="45700" lIns="91425" spcFirstLastPara="1" rIns="91425" wrap="square" tIns="45700">
+            <a:noAutofit/>
+          </a:bodyPr>
+          <a:lstStyle/>
+          <a:p>
+            <a:pPr indent="-381000" lvl="0" marL="342900" rtl="0" algn="l">
+              <a:spcBef>
+                <a:spcPts val="0"/>
+              </a:spcBef>
+              <a:spcAft>
+                <a:spcPts val="0"/>
+              </a:spcAft>
+              <a:buSzPts val="2400"/>
+              <a:buChar char="▪"/>
+            </a:pPr>
+            <a:r>
+              <a:rPr lang="en-US" sz="2400"/>
+              <a:t>Evaluate ML algorithm performance</a:t>
+            </a:r>
+            <a:endParaRPr sz="2400"/>
+          </a:p>
+          <a:p>
+            <a:pPr indent="-381000" lvl="0" marL="342900" rtl="0" algn="l">
+              <a:spcBef>
+                <a:spcPts val="0"/>
+              </a:spcBef>
+              <a:spcAft>
+                <a:spcPts val="0"/>
+              </a:spcAft>
+              <a:buSzPts val="2400"/>
+              <a:buChar char="▪"/>
+            </a:pPr>
+            <a:r>
+              <a:rPr lang="en-US" sz="2400"/>
+              <a:t>Identify key factors with feature importance</a:t>
+            </a:r>
+            <a:endParaRPr sz="2400"/>
+          </a:p>
+          <a:p>
+            <a:pPr indent="-381000" lvl="0" marL="342900" rtl="0" algn="l">
+              <a:spcBef>
+                <a:spcPts val="0"/>
+              </a:spcBef>
+              <a:spcAft>
+                <a:spcPts val="0"/>
+              </a:spcAft>
+              <a:buSzPts val="2400"/>
+              <a:buChar char="▪"/>
+            </a:pPr>
+            <a:r>
+              <a:rPr lang="en-US" sz="2400"/>
+              <a:t>Develop graph and calculate out-degree relationships</a:t>
+            </a:r>
+            <a:endParaRPr sz="2400"/>
+          </a:p>
+        </p:txBody>
+      </p:sp>
+      <p:sp>
+        <p:nvSpPr>
+          <p:cNvPr id="138" name="Google Shape;138;p18"/>
+          <p:cNvSpPr txBox="1"/>
+          <p:nvPr>
+            <p:ph idx="11" type="ftr"/>
+          </p:nvPr>
+        </p:nvSpPr>
+        <p:spPr>
+          <a:xfrm>
+            <a:off x="3124200" y="6356350"/>
+            <a:ext cx="2895600" cy="365100"/>
+          </a:xfrm>
+          <a:prstGeom prst="rect">
+            <a:avLst/>
+          </a:prstGeom>
+          <a:noFill/>
+          <a:ln>
+            <a:noFill/>
+          </a:ln>
+        </p:spPr>
+        <p:txBody>
+          <a:bodyPr anchorCtr="0" anchor="ctr" bIns="45700" lIns="91425" spcFirstLastPara="1" rIns="91425" wrap="square" tIns="45700">
+            <a:noAutofit/>
+          </a:bodyPr>
+          <a:lstStyle/>
+          <a:p>
+            <a:pPr indent="0" lvl="0" marL="0" marR="0" rtl="0" algn="ctr">
+              <a:spcBef>
+                <a:spcPts val="0"/>
+              </a:spcBef>
+              <a:spcAft>
+                <a:spcPts val="0"/>
+              </a:spcAft>
+              <a:buClr>
+                <a:srgbClr val="898989"/>
+              </a:buClr>
+              <a:buSzPts val="1200"/>
+              <a:buFont typeface="Noto Sans Symbols"/>
+              <a:buNone/>
+            </a:pPr>
+            <a:r>
+              <a:rPr b="0" i="0" lang="en-US" sz="1200" u="none" cap="none" strike="noStrike">
+                <a:solidFill>
+                  <a:srgbClr val="898989"/>
+                </a:solidFill>
+                <a:latin typeface="Calibri"/>
+                <a:ea typeface="Calibri"/>
+                <a:cs typeface="Calibri"/>
+                <a:sym typeface="Calibri"/>
+              </a:rPr>
+              <a:t>@</a:t>
+            </a:r>
+            <a:r>
+              <a:rPr lang="en-US"/>
+              <a:t>Walter Yu</a:t>
+            </a:r>
+            <a:endParaRPr/>
+          </a:p>
+        </p:txBody>
+      </p:sp>
+      <p:sp>
+        <p:nvSpPr>
+          <p:cNvPr id="139" name="Google Shape;139;p18"/>
+          <p:cNvSpPr txBox="1"/>
+          <p:nvPr>
+            <p:ph idx="12" type="sldNum"/>
+          </p:nvPr>
+        </p:nvSpPr>
+        <p:spPr>
+          <a:xfrm>
+            <a:off x="6553200" y="6356350"/>
+            <a:ext cx="2133600" cy="365100"/>
+          </a:xfrm>
+          <a:prstGeom prst="rect">
+            <a:avLst/>
+          </a:prstGeom>
+          <a:noFill/>
+          <a:ln>
+            <a:noFill/>
+          </a:ln>
+        </p:spPr>
+        <p:txBody>
+          <a:bodyPr anchorCtr="0" anchor="ctr" bIns="45700" lIns="91425" spcFirstLastPara="1" rIns="91425" wrap="square" tIns="45700">
+            <a:noAutofit/>
+          </a:bodyPr>
+          <a:lstStyle/>
+          <a:p>
+            <a:pPr indent="0" lvl="0" marL="0" rtl="0" algn="r">
+              <a:spcBef>
+                <a:spcPts val="0"/>
+              </a:spcBef>
+              <a:spcAft>
+                <a:spcPts val="0"/>
+              </a:spcAft>
+              <a:buNone/>
+            </a:pPr>
+            <a:fld id="{00000000-1234-1234-1234-123412341234}" type="slidenum">
+              <a:rPr lang="en-US"/>
+              <a:t>‹#›</a:t>
+            </a:fld>
+            <a:endParaRPr/>
+          </a:p>
+        </p:txBody>
+      </p:sp>
+      <p:pic>
+        <p:nvPicPr>
+          <p:cNvPr id="140" name="Google Shape;140;p18"/>
+          <p:cNvPicPr preferRelativeResize="0"/>
+          <p:nvPr/>
+        </p:nvPicPr>
+        <p:blipFill>
+          <a:blip r:embed="rId3">
+            <a:alphaModFix/>
+          </a:blip>
+          <a:stretch>
+            <a:fillRect/>
+          </a:stretch>
+        </p:blipFill>
+        <p:spPr>
+          <a:xfrm>
+            <a:off x="2561513" y="2792313"/>
+            <a:ext cx="6154567" cy="2143238"/>
+          </a:xfrm>
+          <a:prstGeom prst="rect">
+            <a:avLst/>
+          </a:prstGeom>
+          <a:noFill/>
+          <a:ln>
+            <a:noFill/>
+          </a:ln>
+        </p:spPr>
+      </p:pic>
+      <p:pic>
+        <p:nvPicPr>
+          <p:cNvPr id="141" name="Google Shape;141;p18"/>
+          <p:cNvPicPr preferRelativeResize="0"/>
+          <p:nvPr/>
+        </p:nvPicPr>
+        <p:blipFill>
+          <a:blip r:embed="rId4">
+            <a:alphaModFix/>
+          </a:blip>
+          <a:stretch>
+            <a:fillRect/>
+          </a:stretch>
+        </p:blipFill>
+        <p:spPr>
+          <a:xfrm>
+            <a:off x="2743200" y="5201563"/>
+            <a:ext cx="5791200" cy="866775"/>
+          </a:xfrm>
+          <a:prstGeom prst="rect">
+            <a:avLst/>
+          </a:prstGeom>
+          <a:noFill/>
+          <a:ln>
+            <a:noFill/>
+          </a:ln>
+        </p:spPr>
+      </p:pic>
+      <p:sp>
+        <p:nvSpPr>
+          <p:cNvPr id="142" name="Google Shape;142;p18"/>
+          <p:cNvSpPr txBox="1"/>
+          <p:nvPr>
+            <p:ph idx="1" type="body"/>
+          </p:nvPr>
+        </p:nvSpPr>
+        <p:spPr>
+          <a:xfrm>
+            <a:off x="228600" y="3547575"/>
+            <a:ext cx="2133600" cy="716100"/>
+          </a:xfrm>
+          <a:prstGeom prst="rect">
+            <a:avLst/>
+          </a:prstGeom>
+          <a:noFill/>
+          <a:ln>
+            <a:noFill/>
+          </a:ln>
+        </p:spPr>
+        <p:txBody>
+          <a:bodyPr anchorCtr="0" anchor="t" bIns="45700" lIns="91425" spcFirstLastPara="1" rIns="91425" wrap="square" tIns="45700">
+            <a:noAutofit/>
+          </a:bodyPr>
+          <a:lstStyle/>
+          <a:p>
+            <a:pPr indent="0" lvl="0" marL="0" rtl="0" algn="l">
+              <a:spcBef>
+                <a:spcPts val="0"/>
+              </a:spcBef>
+              <a:spcAft>
+                <a:spcPts val="0"/>
+              </a:spcAft>
+              <a:buNone/>
+            </a:pPr>
+            <a:r>
+              <a:rPr b="1" lang="en-US"/>
+              <a:t>Example ML Output</a:t>
+            </a:r>
+            <a:endParaRPr b="1"/>
+          </a:p>
+          <a:p>
+            <a:pPr indent="0" lvl="0" marL="0" rtl="0" algn="l">
+              <a:spcBef>
+                <a:spcPts val="0"/>
+              </a:spcBef>
+              <a:spcAft>
+                <a:spcPts val="0"/>
+              </a:spcAft>
+              <a:buNone/>
+            </a:pPr>
+            <a:r>
+              <a:rPr b="1" lang="en-US"/>
+              <a:t>Feature Importance:</a:t>
+            </a:r>
+            <a:endParaRPr b="1"/>
+          </a:p>
+        </p:txBody>
+      </p:sp>
+      <p:sp>
+        <p:nvSpPr>
+          <p:cNvPr id="143" name="Google Shape;143;p18"/>
+          <p:cNvSpPr txBox="1"/>
+          <p:nvPr>
+            <p:ph idx="1" type="body"/>
+          </p:nvPr>
+        </p:nvSpPr>
+        <p:spPr>
+          <a:xfrm>
+            <a:off x="381000" y="5300175"/>
+            <a:ext cx="1822200" cy="716100"/>
+          </a:xfrm>
+          <a:prstGeom prst="rect">
+            <a:avLst/>
+          </a:prstGeom>
+          <a:noFill/>
+          <a:ln>
+            <a:noFill/>
+          </a:ln>
+        </p:spPr>
+        <p:txBody>
+          <a:bodyPr anchorCtr="0" anchor="t" bIns="45700" lIns="91425" spcFirstLastPara="1" rIns="91425" wrap="square" tIns="45700">
+            <a:noAutofit/>
+          </a:bodyPr>
+          <a:lstStyle/>
+          <a:p>
+            <a:pPr indent="0" lvl="0" marL="0" rtl="0" algn="l">
+              <a:spcBef>
+                <a:spcPts val="0"/>
+              </a:spcBef>
+              <a:spcAft>
+                <a:spcPts val="0"/>
+              </a:spcAft>
+              <a:buNone/>
+            </a:pPr>
+            <a:r>
+              <a:rPr b="1" lang="en-US"/>
+              <a:t>Example Graph</a:t>
+            </a:r>
+            <a:endParaRPr b="1"/>
+          </a:p>
+          <a:p>
+            <a:pPr indent="0" lvl="0" marL="0" rtl="0" algn="l">
+              <a:spcBef>
+                <a:spcPts val="0"/>
+              </a:spcBef>
+              <a:spcAft>
+                <a:spcPts val="0"/>
+              </a:spcAft>
+              <a:buNone/>
+            </a:pPr>
+            <a:r>
+              <a:rPr b="1" lang="en-US"/>
+              <a:t>Analysis Output:</a:t>
+            </a:r>
+            <a:endParaRPr b="1"/>
+          </a:p>
+        </p:txBody>
+      </p:sp>
+    </p:spTree>
+  </p:cSld>
+  <p:clrMapOvr>
+    <a:masterClrMapping/>
+  </p:clrMapOvr>
+</p:sld>
+</file>
+
+<file path=ppt/slides/slide6.xml><?xml version="1.0" encoding="utf-8"?>
+<p:sld xmlns:a="http://schemas.openxmlformats.org/drawingml/2006/main" xmlns:r="http://schemas.openxmlformats.org/officeDocument/2006/relationships" xmlns:mc="http://schemas.openxmlformats.org/markup-compatibility/2006" xmlns:mv="urn:schemas-microsoft-com:mac:vml" xmlns:p="http://schemas.openxmlformats.org/presentationml/2006/main" xmlns:c="http://schemas.openxmlformats.org/drawingml/2006/chart" xmlns:dgm="http://schemas.openxmlformats.org/drawingml/2006/diagram" xmlns:o="urn:schemas-microsoft-com:office:office" xmlns:v="urn:schemas-microsoft-com:vml" xmlns:pvml="urn:schemas-microsoft-com:office:powerpoint" xmlns:com="http://schemas.openxmlformats.org/drawingml/2006/compatibility" xmlns:p14="http://schemas.microsoft.com/office/powerpoint/2010/main" xmlns:p15="http://schemas.microsoft.com/office/powerpoint/2012/main">
+  <p:cSld>
+    <p:spTree>
+      <p:nvGrpSpPr>
+        <p:cNvPr id="147" name="Shape 147"/>
+        <p:cNvGrpSpPr/>
+        <p:nvPr/>
+      </p:nvGrpSpPr>
+      <p:grpSpPr>
+        <a:xfrm>
+          <a:off x="0" y="0"/>
+          <a:ext cx="0" cy="0"/>
+          <a:chOff x="0" y="0"/>
+          <a:chExt cx="0" cy="0"/>
+        </a:xfrm>
+      </p:grpSpPr>
+      <p:sp>
+        <p:nvSpPr>
+          <p:cNvPr id="148" name="Google Shape;148;p19"/>
+          <p:cNvSpPr txBox="1"/>
+          <p:nvPr>
+            <p:ph type="title"/>
+          </p:nvPr>
+        </p:nvSpPr>
+        <p:spPr>
+          <a:xfrm>
+            <a:off x="457200" y="120651"/>
+            <a:ext cx="8229600" cy="716100"/>
+          </a:xfrm>
+          <a:prstGeom prst="rect">
+            <a:avLst/>
+          </a:prstGeom>
+          <a:noFill/>
+          <a:ln>
+            <a:noFill/>
+          </a:ln>
+        </p:spPr>
+        <p:txBody>
+          <a:bodyPr anchorCtr="0" anchor="ctr" bIns="45700" lIns="91425" spcFirstLastPara="1" rIns="91425" wrap="square" tIns="45700">
+            <a:noAutofit/>
+          </a:bodyPr>
+          <a:lstStyle/>
+          <a:p>
+            <a:pPr indent="0" lvl="0" marL="0" rtl="0" algn="ctr">
+              <a:spcBef>
+                <a:spcPts val="0"/>
+              </a:spcBef>
+              <a:spcAft>
+                <a:spcPts val="0"/>
+              </a:spcAft>
+              <a:buNone/>
+            </a:pPr>
+            <a:r>
+              <a:rPr lang="en-US"/>
+              <a:t>Household Data - Summary Statistics</a:t>
+            </a:r>
+            <a:endParaRPr/>
+          </a:p>
+        </p:txBody>
+      </p:sp>
+      <p:sp>
+        <p:nvSpPr>
+          <p:cNvPr id="149" name="Google Shape;149;p19"/>
+          <p:cNvSpPr txBox="1"/>
+          <p:nvPr>
+            <p:ph idx="1" type="body"/>
+          </p:nvPr>
+        </p:nvSpPr>
+        <p:spPr>
+          <a:xfrm>
+            <a:off x="6188725" y="1487838"/>
+            <a:ext cx="2677800" cy="3882300"/>
+          </a:xfrm>
+          <a:prstGeom prst="rect">
+            <a:avLst/>
+          </a:prstGeom>
+          <a:noFill/>
+          <a:ln>
+            <a:noFill/>
+          </a:ln>
+        </p:spPr>
+        <p:txBody>
+          <a:bodyPr anchorCtr="0" anchor="t" bIns="45700" lIns="91425" spcFirstLastPara="1" rIns="91425" wrap="square" tIns="45700">
+            <a:noAutofit/>
+          </a:bodyPr>
+          <a:lstStyle/>
+          <a:p>
+            <a:pPr indent="-381000" lvl="0" marL="342900" rtl="0" algn="l">
+              <a:spcBef>
+                <a:spcPts val="0"/>
+              </a:spcBef>
+              <a:spcAft>
+                <a:spcPts val="0"/>
+              </a:spcAft>
+              <a:buSzPts val="2400"/>
+              <a:buChar char="▪"/>
+            </a:pPr>
+            <a:r>
+              <a:rPr lang="en-US" sz="2400"/>
+              <a:t>Calculate household count by division</a:t>
+            </a:r>
+            <a:endParaRPr sz="2400"/>
+          </a:p>
+          <a:p>
+            <a:pPr indent="-381000" lvl="0" marL="342900" rtl="0" algn="l">
+              <a:spcBef>
+                <a:spcPts val="0"/>
+              </a:spcBef>
+              <a:spcAft>
+                <a:spcPts val="0"/>
+              </a:spcAft>
+              <a:buSzPts val="2400"/>
+              <a:buChar char="▪"/>
+            </a:pPr>
+            <a:r>
+              <a:rPr lang="en-US" sz="2400"/>
+              <a:t>Separate by access to mass transit</a:t>
+            </a:r>
+            <a:endParaRPr sz="2400"/>
+          </a:p>
+          <a:p>
+            <a:pPr indent="-381000" lvl="0" marL="342900" rtl="0" algn="l">
+              <a:spcBef>
+                <a:spcPts val="0"/>
+              </a:spcBef>
+              <a:spcAft>
+                <a:spcPts val="0"/>
+              </a:spcAft>
+              <a:buSzPts val="2400"/>
+              <a:buChar char="▪"/>
+            </a:pPr>
+            <a:r>
+              <a:rPr lang="en-US" sz="2400"/>
+              <a:t>Areas with mass transit typically have higher household count</a:t>
+            </a:r>
+            <a:endParaRPr sz="2400"/>
+          </a:p>
+        </p:txBody>
+      </p:sp>
+      <p:sp>
+        <p:nvSpPr>
+          <p:cNvPr id="150" name="Google Shape;150;p19"/>
+          <p:cNvSpPr txBox="1"/>
+          <p:nvPr>
+            <p:ph idx="11" type="ftr"/>
+          </p:nvPr>
+        </p:nvSpPr>
+        <p:spPr>
+          <a:xfrm>
+            <a:off x="3124200" y="6356350"/>
+            <a:ext cx="2895600" cy="365100"/>
+          </a:xfrm>
+          <a:prstGeom prst="rect">
+            <a:avLst/>
+          </a:prstGeom>
+          <a:noFill/>
+          <a:ln>
+            <a:noFill/>
+          </a:ln>
+        </p:spPr>
+        <p:txBody>
+          <a:bodyPr anchorCtr="0" anchor="ctr" bIns="45700" lIns="91425" spcFirstLastPara="1" rIns="91425" wrap="square" tIns="45700">
+            <a:noAutofit/>
+          </a:bodyPr>
+          <a:lstStyle/>
+          <a:p>
+            <a:pPr indent="0" lvl="0" marL="0" marR="0" rtl="0" algn="ctr">
+              <a:spcBef>
+                <a:spcPts val="0"/>
+              </a:spcBef>
+              <a:spcAft>
+                <a:spcPts val="0"/>
+              </a:spcAft>
+              <a:buClr>
+                <a:srgbClr val="898989"/>
+              </a:buClr>
+              <a:buSzPts val="1200"/>
+              <a:buFont typeface="Noto Sans Symbols"/>
+              <a:buNone/>
+            </a:pPr>
+            <a:r>
+              <a:rPr b="0" i="0" lang="en-US" sz="1200" u="none" cap="none" strike="noStrike">
+                <a:solidFill>
+                  <a:srgbClr val="898989"/>
+                </a:solidFill>
+                <a:latin typeface="Calibri"/>
+                <a:ea typeface="Calibri"/>
+                <a:cs typeface="Calibri"/>
+                <a:sym typeface="Calibri"/>
+              </a:rPr>
+              <a:t>@</a:t>
+            </a:r>
+            <a:r>
+              <a:rPr lang="en-US"/>
+              <a:t>Walter Yu</a:t>
+            </a:r>
+            <a:endParaRPr/>
+          </a:p>
+        </p:txBody>
+      </p:sp>
+      <p:sp>
+        <p:nvSpPr>
+          <p:cNvPr id="151" name="Google Shape;151;p19"/>
+          <p:cNvSpPr txBox="1"/>
+          <p:nvPr>
+            <p:ph idx="12" type="sldNum"/>
+          </p:nvPr>
+        </p:nvSpPr>
+        <p:spPr>
+          <a:xfrm>
+            <a:off x="6553200" y="6356350"/>
+            <a:ext cx="2133600" cy="365100"/>
+          </a:xfrm>
+          <a:prstGeom prst="rect">
+            <a:avLst/>
+          </a:prstGeom>
+          <a:noFill/>
+          <a:ln>
+            <a:noFill/>
+          </a:ln>
+        </p:spPr>
+        <p:txBody>
+          <a:bodyPr anchorCtr="0" anchor="ctr" bIns="45700" lIns="91425" spcFirstLastPara="1" rIns="91425" wrap="square" tIns="45700">
+            <a:noAutofit/>
+          </a:bodyPr>
+          <a:lstStyle/>
+          <a:p>
+            <a:pPr indent="0" lvl="0" marL="0" rtl="0" algn="r">
+              <a:spcBef>
+                <a:spcPts val="0"/>
+              </a:spcBef>
+              <a:spcAft>
+                <a:spcPts val="0"/>
+              </a:spcAft>
+              <a:buNone/>
+            </a:pPr>
+            <a:fld id="{00000000-1234-1234-1234-123412341234}" type="slidenum">
+              <a:rPr lang="en-US"/>
+              <a:t>‹#›</a:t>
+            </a:fld>
+            <a:endParaRPr/>
+          </a:p>
+        </p:txBody>
+      </p:sp>
+      <p:pic>
+        <p:nvPicPr>
+          <p:cNvPr id="152" name="Google Shape;152;p19"/>
+          <p:cNvPicPr preferRelativeResize="0"/>
+          <p:nvPr/>
+        </p:nvPicPr>
+        <p:blipFill>
+          <a:blip r:embed="rId3">
+            <a:alphaModFix/>
+          </a:blip>
+          <a:stretch>
+            <a:fillRect/>
+          </a:stretch>
+        </p:blipFill>
+        <p:spPr>
+          <a:xfrm>
+            <a:off x="164475" y="1483087"/>
+            <a:ext cx="5855325" cy="4653825"/>
+          </a:xfrm>
+          <a:prstGeom prst="rect">
+            <a:avLst/>
+          </a:prstGeom>
+          <a:noFill/>
+          <a:ln>
+            <a:noFill/>
+          </a:ln>
+        </p:spPr>
+      </p:pic>
+    </p:spTree>
+  </p:cSld>
+  <p:clrMapOvr>
+    <a:masterClrMapping/>
+  </p:clrMapOvr>
+</p:sld>
+</file>
+
+<file path=ppt/slides/slide7.xml><?xml version="1.0" encoding="utf-8"?>
+<p:sld xmlns:a="http://schemas.openxmlformats.org/drawingml/2006/main" xmlns:r="http://schemas.openxmlformats.org/officeDocument/2006/relationships" xmlns:mc="http://schemas.openxmlformats.org/markup-compatibility/2006" xmlns:mv="urn:schemas-microsoft-com:mac:vml" xmlns:p="http://schemas.openxmlformats.org/presentationml/2006/main" xmlns:c="http://schemas.openxmlformats.org/drawingml/2006/chart" xmlns:dgm="http://schemas.openxmlformats.org/drawingml/2006/diagram" xmlns:o="urn:schemas-microsoft-com:office:office" xmlns:v="urn:schemas-microsoft-com:vml" xmlns:pvml="urn:schemas-microsoft-com:office:powerpoint" xmlns:com="http://schemas.openxmlformats.org/drawingml/2006/compatibility" xmlns:p14="http://schemas.microsoft.com/office/powerpoint/2010/main" xmlns:p15="http://schemas.microsoft.com/office/powerpoint/2012/main">
+  <p:cSld>
+    <p:spTree>
+      <p:nvGrpSpPr>
+        <p:cNvPr id="156" name="Shape 156"/>
+        <p:cNvGrpSpPr/>
+        <p:nvPr/>
+      </p:nvGrpSpPr>
+      <p:grpSpPr>
+        <a:xfrm>
+          <a:off x="0" y="0"/>
+          <a:ext cx="0" cy="0"/>
+          <a:chOff x="0" y="0"/>
+          <a:chExt cx="0" cy="0"/>
+        </a:xfrm>
+      </p:grpSpPr>
+      <p:sp>
+        <p:nvSpPr>
+          <p:cNvPr id="157" name="Google Shape;157;p20"/>
+          <p:cNvSpPr txBox="1"/>
+          <p:nvPr>
+            <p:ph type="title"/>
+          </p:nvPr>
+        </p:nvSpPr>
+        <p:spPr>
+          <a:xfrm>
+            <a:off x="457200" y="120651"/>
+            <a:ext cx="8229600" cy="716100"/>
+          </a:xfrm>
+          <a:prstGeom prst="rect">
+            <a:avLst/>
+          </a:prstGeom>
+          <a:noFill/>
+          <a:ln>
+            <a:noFill/>
+          </a:ln>
+        </p:spPr>
+        <p:txBody>
+          <a:bodyPr anchorCtr="0" anchor="ctr" bIns="45700" lIns="91425" spcFirstLastPara="1" rIns="91425" wrap="square" tIns="45700">
+            <a:noAutofit/>
+          </a:bodyPr>
+          <a:lstStyle/>
+          <a:p>
+            <a:pPr indent="0" lvl="0" marL="0" rtl="0" algn="ctr">
+              <a:spcBef>
+                <a:spcPts val="0"/>
+              </a:spcBef>
+              <a:spcAft>
+                <a:spcPts val="0"/>
+              </a:spcAft>
+              <a:buNone/>
+            </a:pPr>
+            <a:r>
+              <a:rPr lang="en-US"/>
+              <a:t>Household Data - Feature Importance</a:t>
+            </a:r>
+            <a:endParaRPr/>
+          </a:p>
+        </p:txBody>
+      </p:sp>
+      <p:sp>
+        <p:nvSpPr>
+          <p:cNvPr id="158" name="Google Shape;158;p20"/>
+          <p:cNvSpPr txBox="1"/>
+          <p:nvPr>
+            <p:ph idx="1" type="body"/>
+          </p:nvPr>
+        </p:nvSpPr>
+        <p:spPr>
+          <a:xfrm>
+            <a:off x="234050" y="1400388"/>
+            <a:ext cx="2677800" cy="3882300"/>
+          </a:xfrm>
+          <a:prstGeom prst="rect">
+            <a:avLst/>
+          </a:prstGeom>
+          <a:noFill/>
+          <a:ln>
+            <a:noFill/>
+          </a:ln>
+        </p:spPr>
+        <p:txBody>
+          <a:bodyPr anchorCtr="0" anchor="t" bIns="45700" lIns="91425" spcFirstLastPara="1" rIns="91425" wrap="square" tIns="45700">
+            <a:noAutofit/>
+          </a:bodyPr>
+          <a:lstStyle/>
+          <a:p>
+            <a:pPr indent="-381000" lvl="0" marL="342900" rtl="0" algn="l">
+              <a:spcBef>
+                <a:spcPts val="0"/>
+              </a:spcBef>
+              <a:spcAft>
+                <a:spcPts val="0"/>
+              </a:spcAft>
+              <a:buSzPts val="2400"/>
+              <a:buChar char="▪"/>
+            </a:pPr>
+            <a:r>
+              <a:rPr lang="en-US" sz="2400"/>
+              <a:t>Vehicle usage most impacts total count</a:t>
+            </a:r>
+            <a:endParaRPr sz="2400"/>
+          </a:p>
+          <a:p>
+            <a:pPr indent="-381000" lvl="0" marL="342900" rtl="0" algn="l">
+              <a:spcBef>
+                <a:spcPts val="0"/>
+              </a:spcBef>
+              <a:spcAft>
+                <a:spcPts val="0"/>
+              </a:spcAft>
+              <a:buSzPts val="2400"/>
+              <a:buChar char="▪"/>
+            </a:pPr>
+            <a:r>
+              <a:rPr lang="en-US" sz="2400"/>
+              <a:t>Other features have low significance</a:t>
+            </a:r>
+            <a:endParaRPr sz="2400"/>
+          </a:p>
+          <a:p>
+            <a:pPr indent="-381000" lvl="0" marL="342900" rtl="0" algn="l">
+              <a:spcBef>
+                <a:spcPts val="0"/>
+              </a:spcBef>
+              <a:spcAft>
+                <a:spcPts val="0"/>
+              </a:spcAft>
+              <a:buSzPts val="2400"/>
+              <a:buChar char="▪"/>
+            </a:pPr>
+            <a:r>
+              <a:rPr lang="en-US" sz="2400"/>
+              <a:t>Mass transit feature has low significance with vehicle usage</a:t>
+            </a:r>
+            <a:endParaRPr sz="2400"/>
+          </a:p>
+        </p:txBody>
+      </p:sp>
+      <p:sp>
+        <p:nvSpPr>
+          <p:cNvPr id="159" name="Google Shape;159;p20"/>
+          <p:cNvSpPr txBox="1"/>
+          <p:nvPr>
+            <p:ph idx="11" type="ftr"/>
+          </p:nvPr>
+        </p:nvSpPr>
+        <p:spPr>
+          <a:xfrm>
+            <a:off x="3124200" y="6356350"/>
+            <a:ext cx="2895600" cy="365100"/>
+          </a:xfrm>
+          <a:prstGeom prst="rect">
+            <a:avLst/>
+          </a:prstGeom>
+          <a:noFill/>
+          <a:ln>
+            <a:noFill/>
+          </a:ln>
+        </p:spPr>
+        <p:txBody>
+          <a:bodyPr anchorCtr="0" anchor="ctr" bIns="45700" lIns="91425" spcFirstLastPara="1" rIns="91425" wrap="square" tIns="45700">
+            <a:noAutofit/>
+          </a:bodyPr>
+          <a:lstStyle/>
+          <a:p>
+            <a:pPr indent="0" lvl="0" marL="0" marR="0" rtl="0" algn="ctr">
+              <a:spcBef>
+                <a:spcPts val="0"/>
+              </a:spcBef>
+              <a:spcAft>
+                <a:spcPts val="0"/>
+              </a:spcAft>
+              <a:buClr>
+                <a:srgbClr val="898989"/>
+              </a:buClr>
+              <a:buSzPts val="1200"/>
+              <a:buFont typeface="Noto Sans Symbols"/>
+              <a:buNone/>
+            </a:pPr>
+            <a:r>
+              <a:rPr b="0" i="0" lang="en-US" sz="1200" u="none" cap="none" strike="noStrike">
+                <a:solidFill>
+                  <a:srgbClr val="898989"/>
+                </a:solidFill>
+                <a:latin typeface="Calibri"/>
+                <a:ea typeface="Calibri"/>
+                <a:cs typeface="Calibri"/>
+                <a:sym typeface="Calibri"/>
+              </a:rPr>
+              <a:t>@</a:t>
+            </a:r>
+            <a:r>
+              <a:rPr lang="en-US"/>
+              <a:t>Walter Yu</a:t>
+            </a:r>
+            <a:endParaRPr/>
+          </a:p>
+        </p:txBody>
+      </p:sp>
+      <p:sp>
+        <p:nvSpPr>
+          <p:cNvPr id="160" name="Google Shape;160;p20"/>
+          <p:cNvSpPr txBox="1"/>
+          <p:nvPr>
+            <p:ph idx="12" type="sldNum"/>
+          </p:nvPr>
+        </p:nvSpPr>
+        <p:spPr>
+          <a:xfrm>
+            <a:off x="6553200" y="6356350"/>
+            <a:ext cx="2133600" cy="365100"/>
+          </a:xfrm>
+          <a:prstGeom prst="rect">
+            <a:avLst/>
+          </a:prstGeom>
+          <a:noFill/>
+          <a:ln>
+            <a:noFill/>
+          </a:ln>
+        </p:spPr>
+        <p:txBody>
+          <a:bodyPr anchorCtr="0" anchor="ctr" bIns="45700" lIns="91425" spcFirstLastPara="1" rIns="91425" wrap="square" tIns="45700">
+            <a:noAutofit/>
+          </a:bodyPr>
+          <a:lstStyle/>
+          <a:p>
+            <a:pPr indent="0" lvl="0" marL="0" rtl="0" algn="r">
+              <a:spcBef>
+                <a:spcPts val="0"/>
+              </a:spcBef>
+              <a:spcAft>
+                <a:spcPts val="0"/>
+              </a:spcAft>
+              <a:buNone/>
+            </a:pPr>
+            <a:fld id="{00000000-1234-1234-1234-123412341234}" type="slidenum">
+              <a:rPr lang="en-US"/>
+              <a:t>‹#›</a:t>
+            </a:fld>
+            <a:endParaRPr/>
+          </a:p>
+        </p:txBody>
+      </p:sp>
+      <p:pic>
+        <p:nvPicPr>
+          <p:cNvPr id="161" name="Google Shape;161;p20"/>
+          <p:cNvPicPr preferRelativeResize="0"/>
+          <p:nvPr/>
+        </p:nvPicPr>
+        <p:blipFill>
+          <a:blip r:embed="rId3">
+            <a:alphaModFix/>
+          </a:blip>
+          <a:stretch>
+            <a:fillRect/>
+          </a:stretch>
+        </p:blipFill>
+        <p:spPr>
+          <a:xfrm>
+            <a:off x="3064250" y="1400400"/>
+            <a:ext cx="5890825" cy="4173975"/>
+          </a:xfrm>
+          <a:prstGeom prst="rect">
+            <a:avLst/>
+          </a:prstGeom>
+          <a:noFill/>
+          <a:ln>
+            <a:noFill/>
+          </a:ln>
+        </p:spPr>
+      </p:pic>
+    </p:spTree>
+  </p:cSld>
+  <p:clrMapOvr>
+    <a:masterClrMapping/>
+  </p:clrMapOvr>
+</p:sld>
+</file>
+
+<file path=ppt/slides/slide8.xml><?xml version="1.0" encoding="utf-8"?>
+<p:sld xmlns:a="http://schemas.openxmlformats.org/drawingml/2006/main" xmlns:r="http://schemas.openxmlformats.org/officeDocument/2006/relationships" xmlns:mc="http://schemas.openxmlformats.org/markup-compatibility/2006" xmlns:mv="urn:schemas-microsoft-com:mac:vml" xmlns:p="http://schemas.openxmlformats.org/presentationml/2006/main" xmlns:c="http://schemas.openxmlformats.org/drawingml/2006/chart" xmlns:dgm="http://schemas.openxmlformats.org/drawingml/2006/diagram" xmlns:o="urn:schemas-microsoft-com:office:office" xmlns:v="urn:schemas-microsoft-com:vml" xmlns:pvml="urn:schemas-microsoft-com:office:powerpoint" xmlns:com="http://schemas.openxmlformats.org/drawingml/2006/compatibility" xmlns:p14="http://schemas.microsoft.com/office/powerpoint/2010/main" xmlns:p15="http://schemas.microsoft.com/office/powerpoint/2012/main">
+  <p:cSld>
+    <p:spTree>
+      <p:nvGrpSpPr>
+        <p:cNvPr id="165" name="Shape 165"/>
+        <p:cNvGrpSpPr/>
+        <p:nvPr/>
+      </p:nvGrpSpPr>
+      <p:grpSpPr>
+        <a:xfrm>
+          <a:off x="0" y="0"/>
+          <a:ext cx="0" cy="0"/>
+          <a:chOff x="0" y="0"/>
+          <a:chExt cx="0" cy="0"/>
+        </a:xfrm>
+      </p:grpSpPr>
+      <p:sp>
+        <p:nvSpPr>
+          <p:cNvPr id="166" name="Google Shape;166;p21"/>
+          <p:cNvSpPr txBox="1"/>
+          <p:nvPr>
+            <p:ph idx="1" type="body"/>
+          </p:nvPr>
+        </p:nvSpPr>
+        <p:spPr>
+          <a:xfrm>
+            <a:off x="6188725" y="1487838"/>
+            <a:ext cx="2677800" cy="3882300"/>
+          </a:xfrm>
+          <a:prstGeom prst="rect">
+            <a:avLst/>
+          </a:prstGeom>
+          <a:noFill/>
+          <a:ln>
+            <a:noFill/>
+          </a:ln>
+        </p:spPr>
+        <p:txBody>
+          <a:bodyPr anchorCtr="0" anchor="t" bIns="45700" lIns="91425" spcFirstLastPara="1" rIns="91425" wrap="square" tIns="45700">
+            <a:noAutofit/>
+          </a:bodyPr>
+          <a:lstStyle/>
+          <a:p>
+            <a:pPr indent="-381000" lvl="0" marL="342900" rtl="0" algn="l">
+              <a:spcBef>
+                <a:spcPts val="0"/>
+              </a:spcBef>
+              <a:spcAft>
+                <a:spcPts val="0"/>
+              </a:spcAft>
+              <a:buSzPts val="2400"/>
+              <a:buChar char="▪"/>
+            </a:pPr>
+            <a:r>
+              <a:rPr lang="en-US" sz="2400"/>
+              <a:t>Calculate trip count by division</a:t>
+            </a:r>
+            <a:endParaRPr sz="2400"/>
+          </a:p>
+          <a:p>
+            <a:pPr indent="-381000" lvl="0" marL="342900" rtl="0" algn="l">
+              <a:spcBef>
+                <a:spcPts val="0"/>
+              </a:spcBef>
+              <a:spcAft>
+                <a:spcPts val="0"/>
+              </a:spcAft>
+              <a:buSzPts val="2400"/>
+              <a:buChar char="▪"/>
+            </a:pPr>
+            <a:r>
+              <a:rPr lang="en-US" sz="2400"/>
+              <a:t>Separate by access to mass transit</a:t>
+            </a:r>
+            <a:endParaRPr sz="2400"/>
+          </a:p>
+          <a:p>
+            <a:pPr indent="-381000" lvl="0" marL="342900" rtl="0" algn="l">
+              <a:spcBef>
+                <a:spcPts val="0"/>
+              </a:spcBef>
+              <a:spcAft>
+                <a:spcPts val="0"/>
+              </a:spcAft>
+              <a:buSzPts val="2400"/>
+              <a:buChar char="▪"/>
+            </a:pPr>
+            <a:r>
+              <a:rPr lang="en-US" sz="2400"/>
+              <a:t>Areas with mass transit typically have higher trip count</a:t>
+            </a:r>
+            <a:endParaRPr sz="2400"/>
+          </a:p>
+        </p:txBody>
+      </p:sp>
+      <p:sp>
+        <p:nvSpPr>
+          <p:cNvPr id="167" name="Google Shape;167;p21"/>
+          <p:cNvSpPr txBox="1"/>
+          <p:nvPr>
+            <p:ph type="title"/>
+          </p:nvPr>
+        </p:nvSpPr>
+        <p:spPr>
+          <a:xfrm>
+            <a:off x="457200" y="120651"/>
+            <a:ext cx="8229600" cy="716100"/>
+          </a:xfrm>
+          <a:prstGeom prst="rect">
+            <a:avLst/>
+          </a:prstGeom>
+          <a:noFill/>
+          <a:ln>
+            <a:noFill/>
+          </a:ln>
+        </p:spPr>
+        <p:txBody>
+          <a:bodyPr anchorCtr="0" anchor="ctr" bIns="45700" lIns="91425" spcFirstLastPara="1" rIns="91425" wrap="square" tIns="45700">
+            <a:noAutofit/>
+          </a:bodyPr>
+          <a:lstStyle/>
+          <a:p>
+            <a:pPr indent="0" lvl="0" marL="0" rtl="0" algn="ctr">
+              <a:spcBef>
+                <a:spcPts val="0"/>
+              </a:spcBef>
+              <a:spcAft>
+                <a:spcPts val="0"/>
+              </a:spcAft>
+              <a:buNone/>
+            </a:pPr>
+            <a:r>
+              <a:rPr lang="en-US"/>
+              <a:t>Trip</a:t>
+            </a:r>
+            <a:r>
+              <a:rPr lang="en-US"/>
+              <a:t> Data - Summary Statistics</a:t>
+            </a:r>
+            <a:endParaRPr/>
+          </a:p>
+        </p:txBody>
+      </p:sp>
+      <p:sp>
+        <p:nvSpPr>
+          <p:cNvPr id="168" name="Google Shape;168;p21"/>
+          <p:cNvSpPr txBox="1"/>
+          <p:nvPr>
+            <p:ph idx="11" type="ftr"/>
+          </p:nvPr>
+        </p:nvSpPr>
+        <p:spPr>
+          <a:xfrm>
+            <a:off x="3124200" y="6356350"/>
+            <a:ext cx="2895600" cy="365100"/>
+          </a:xfrm>
+          <a:prstGeom prst="rect">
+            <a:avLst/>
+          </a:prstGeom>
+          <a:noFill/>
+          <a:ln>
+            <a:noFill/>
+          </a:ln>
+        </p:spPr>
+        <p:txBody>
+          <a:bodyPr anchorCtr="0" anchor="ctr" bIns="45700" lIns="91425" spcFirstLastPara="1" rIns="91425" wrap="square" tIns="45700">
+            <a:noAutofit/>
+          </a:bodyPr>
+          <a:lstStyle/>
+          <a:p>
+            <a:pPr indent="0" lvl="0" marL="0" marR="0" rtl="0" algn="ctr">
+              <a:spcBef>
+                <a:spcPts val="0"/>
+              </a:spcBef>
+              <a:spcAft>
+                <a:spcPts val="0"/>
+              </a:spcAft>
+              <a:buClr>
+                <a:srgbClr val="898989"/>
+              </a:buClr>
+              <a:buSzPts val="1200"/>
+              <a:buFont typeface="Noto Sans Symbols"/>
+              <a:buNone/>
+            </a:pPr>
+            <a:r>
+              <a:rPr b="0" i="0" lang="en-US" sz="1200" u="none" cap="none" strike="noStrike">
+                <a:solidFill>
+                  <a:srgbClr val="898989"/>
+                </a:solidFill>
+                <a:latin typeface="Calibri"/>
+                <a:ea typeface="Calibri"/>
+                <a:cs typeface="Calibri"/>
+                <a:sym typeface="Calibri"/>
+              </a:rPr>
+              <a:t>@</a:t>
+            </a:r>
+            <a:r>
+              <a:rPr lang="en-US"/>
+              <a:t>Walter Yu</a:t>
+            </a:r>
+            <a:endParaRPr/>
+          </a:p>
+        </p:txBody>
+      </p:sp>
+      <p:sp>
+        <p:nvSpPr>
+          <p:cNvPr id="169" name="Google Shape;169;p21"/>
+          <p:cNvSpPr txBox="1"/>
+          <p:nvPr>
+            <p:ph idx="12" type="sldNum"/>
+          </p:nvPr>
+        </p:nvSpPr>
+        <p:spPr>
+          <a:xfrm>
+            <a:off x="6553200" y="6356350"/>
+            <a:ext cx="2133600" cy="365100"/>
+          </a:xfrm>
+          <a:prstGeom prst="rect">
+            <a:avLst/>
+          </a:prstGeom>
+          <a:noFill/>
+          <a:ln>
+            <a:noFill/>
+          </a:ln>
+        </p:spPr>
+        <p:txBody>
+          <a:bodyPr anchorCtr="0" anchor="ctr" bIns="45700" lIns="91425" spcFirstLastPara="1" rIns="91425" wrap="square" tIns="45700">
+            <a:noAutofit/>
+          </a:bodyPr>
+          <a:lstStyle/>
+          <a:p>
+            <a:pPr indent="0" lvl="0" marL="0" rtl="0" algn="r">
+              <a:spcBef>
+                <a:spcPts val="0"/>
+              </a:spcBef>
+              <a:spcAft>
+                <a:spcPts val="0"/>
+              </a:spcAft>
+              <a:buNone/>
+            </a:pPr>
+            <a:fld id="{00000000-1234-1234-1234-123412341234}" type="slidenum">
+              <a:rPr lang="en-US"/>
+              <a:t>‹#›</a:t>
+            </a:fld>
+            <a:endParaRPr/>
+          </a:p>
+        </p:txBody>
+      </p:sp>
+      <p:pic>
+        <p:nvPicPr>
+          <p:cNvPr id="170" name="Google Shape;170;p21"/>
+          <p:cNvPicPr preferRelativeResize="0"/>
+          <p:nvPr/>
+        </p:nvPicPr>
+        <p:blipFill>
+          <a:blip r:embed="rId3">
+            <a:alphaModFix/>
+          </a:blip>
+          <a:stretch>
+            <a:fillRect/>
+          </a:stretch>
+        </p:blipFill>
+        <p:spPr>
+          <a:xfrm>
+            <a:off x="152400" y="1522551"/>
+            <a:ext cx="5883925" cy="4676553"/>
+          </a:xfrm>
+          <a:prstGeom prst="rect">
+            <a:avLst/>
+          </a:prstGeom>
+          <a:noFill/>
+          <a:ln>
+            <a:noFill/>
+          </a:ln>
+        </p:spPr>
+      </p:pic>
+    </p:spTree>
+  </p:cSld>
+  <p:clrMapOvr>
+    <a:masterClrMapping/>
+  </p:clrMapOvr>
+</p:sld>
+</file>
+
+<file path=ppt/slides/slide9.xml><?xml version="1.0" encoding="utf-8"?>
+<p:sld xmlns:a="http://schemas.openxmlformats.org/drawingml/2006/main" xmlns:r="http://schemas.openxmlformats.org/officeDocument/2006/relationships" xmlns:mc="http://schemas.openxmlformats.org/markup-compatibility/2006" xmlns:mv="urn:schemas-microsoft-com:mac:vml" xmlns:p="http://schemas.openxmlformats.org/presentationml/2006/main" xmlns:c="http://schemas.openxmlformats.org/drawingml/2006/chart" xmlns:dgm="http://schemas.openxmlformats.org/drawingml/2006/diagram" xmlns:o="urn:schemas-microsoft-com:office:office" xmlns:v="urn:schemas-microsoft-com:vml" xmlns:pvml="urn:schemas-microsoft-com:office:powerpoint" xmlns:com="http://schemas.openxmlformats.org/drawingml/2006/compatibility" xmlns:p14="http://schemas.microsoft.com/office/powerpoint/2010/main" xmlns:p15="http://schemas.microsoft.com/office/powerpoint/2012/main">
+  <p:cSld>
+    <p:spTree>
+      <p:nvGrpSpPr>
+        <p:cNvPr id="174" name="Shape 174"/>
+        <p:cNvGrpSpPr/>
+        <p:nvPr/>
+      </p:nvGrpSpPr>
+      <p:grpSpPr>
+        <a:xfrm>
+          <a:off x="0" y="0"/>
+          <a:ext cx="0" cy="0"/>
+          <a:chOff x="0" y="0"/>
+          <a:chExt cx="0" cy="0"/>
+        </a:xfrm>
+      </p:grpSpPr>
+      <p:sp>
+        <p:nvSpPr>
+          <p:cNvPr id="175" name="Google Shape;175;p22"/>
+          <p:cNvSpPr txBox="1"/>
+          <p:nvPr>
+            <p:ph type="title"/>
+          </p:nvPr>
+        </p:nvSpPr>
+        <p:spPr>
+          <a:xfrm>
+            <a:off x="457200" y="120651"/>
+            <a:ext cx="8229600" cy="716100"/>
+          </a:xfrm>
+          <a:prstGeom prst="rect">
+            <a:avLst/>
+          </a:prstGeom>
+          <a:noFill/>
+          <a:ln>
+            <a:noFill/>
+          </a:ln>
+        </p:spPr>
+        <p:txBody>
+          <a:bodyPr anchorCtr="0" anchor="ctr" bIns="45700" lIns="91425" spcFirstLastPara="1" rIns="91425" wrap="square" tIns="45700">
+            <a:noAutofit/>
+          </a:bodyPr>
+          <a:lstStyle/>
+          <a:p>
+            <a:pPr indent="0" lvl="0" marL="0" rtl="0" algn="ctr">
+              <a:spcBef>
+                <a:spcPts val="0"/>
+              </a:spcBef>
+              <a:spcAft>
+                <a:spcPts val="0"/>
+              </a:spcAft>
+              <a:buNone/>
+            </a:pPr>
+            <a:r>
+              <a:rPr lang="en-US"/>
+              <a:t>Trip</a:t>
+            </a:r>
+            <a:r>
+              <a:rPr lang="en-US"/>
+              <a:t> Data - Feature Importance</a:t>
+            </a:r>
+            <a:endParaRPr/>
+          </a:p>
+        </p:txBody>
+      </p:sp>
+      <p:sp>
+        <p:nvSpPr>
+          <p:cNvPr id="176" name="Google Shape;176;p22"/>
+          <p:cNvSpPr txBox="1"/>
+          <p:nvPr>
+            <p:ph idx="1" type="body"/>
+          </p:nvPr>
+        </p:nvSpPr>
+        <p:spPr>
+          <a:xfrm>
+            <a:off x="234050" y="1324188"/>
+            <a:ext cx="2677800" cy="3882300"/>
+          </a:xfrm>
+          <a:prstGeom prst="rect">
+            <a:avLst/>
+          </a:prstGeom>
+          <a:noFill/>
+          <a:ln>
+            <a:noFill/>
+          </a:ln>
+        </p:spPr>
+        <p:txBody>
+          <a:bodyPr anchorCtr="0" anchor="t" bIns="45700" lIns="91425" spcFirstLastPara="1" rIns="91425" wrap="square" tIns="45700">
+            <a:noAutofit/>
+          </a:bodyPr>
+          <a:lstStyle/>
+          <a:p>
+            <a:pPr indent="-381000" lvl="0" marL="342900" rtl="0" algn="l">
+              <a:spcBef>
+                <a:spcPts val="0"/>
+              </a:spcBef>
+              <a:spcAft>
+                <a:spcPts val="0"/>
+              </a:spcAft>
+              <a:buSzPts val="2400"/>
+              <a:buChar char="▪"/>
+            </a:pPr>
+            <a:r>
+              <a:rPr lang="en-US" sz="2400"/>
+              <a:t>Trip distance</a:t>
+            </a:r>
+            <a:r>
+              <a:rPr lang="en-US" sz="2400"/>
+              <a:t> most impacts vehicle miles per trip</a:t>
+            </a:r>
+            <a:endParaRPr sz="2400"/>
+          </a:p>
+          <a:p>
+            <a:pPr indent="-381000" lvl="0" marL="342900" rtl="0" algn="l">
+              <a:spcBef>
+                <a:spcPts val="0"/>
+              </a:spcBef>
+              <a:spcAft>
+                <a:spcPts val="0"/>
+              </a:spcAft>
+              <a:buSzPts val="2400"/>
+              <a:buChar char="▪"/>
+            </a:pPr>
+            <a:r>
+              <a:rPr lang="en-US" sz="2400"/>
+              <a:t>Trip duration is also significant feature</a:t>
+            </a:r>
+            <a:endParaRPr sz="2400"/>
+          </a:p>
+          <a:p>
+            <a:pPr indent="-381000" lvl="0" marL="342900" rtl="0" algn="l">
+              <a:spcBef>
+                <a:spcPts val="0"/>
+              </a:spcBef>
+              <a:spcAft>
+                <a:spcPts val="0"/>
+              </a:spcAft>
+              <a:buSzPts val="2400"/>
+              <a:buChar char="▪"/>
+            </a:pPr>
+            <a:r>
+              <a:rPr lang="en-US" sz="2400"/>
+              <a:t>Other features have low significance</a:t>
+            </a:r>
+            <a:endParaRPr sz="2400"/>
+          </a:p>
+        </p:txBody>
+      </p:sp>
+      <p:sp>
+        <p:nvSpPr>
+          <p:cNvPr id="177" name="Google Shape;177;p22"/>
+          <p:cNvSpPr txBox="1"/>
+          <p:nvPr>
+            <p:ph idx="11" type="ftr"/>
+          </p:nvPr>
+        </p:nvSpPr>
+        <p:spPr>
+          <a:xfrm>
+            <a:off x="3124200" y="6356350"/>
+            <a:ext cx="2895600" cy="365100"/>
+          </a:xfrm>
+          <a:prstGeom prst="rect">
+            <a:avLst/>
+          </a:prstGeom>
+          <a:noFill/>
+          <a:ln>
+            <a:noFill/>
+          </a:ln>
+        </p:spPr>
+        <p:txBody>
+          <a:bodyPr anchorCtr="0" anchor="ctr" bIns="45700" lIns="91425" spcFirstLastPara="1" rIns="91425" wrap="square" tIns="45700">
+            <a:noAutofit/>
+          </a:bodyPr>
+          <a:lstStyle/>
+          <a:p>
+            <a:pPr indent="0" lvl="0" marL="0" marR="0" rtl="0" algn="ctr">
+              <a:spcBef>
+                <a:spcPts val="0"/>
+              </a:spcBef>
+              <a:spcAft>
+                <a:spcPts val="0"/>
+              </a:spcAft>
+              <a:buClr>
+                <a:srgbClr val="898989"/>
+              </a:buClr>
+              <a:buSzPts val="1200"/>
+              <a:buFont typeface="Noto Sans Symbols"/>
+              <a:buNone/>
+            </a:pPr>
+            <a:r>
+              <a:rPr b="0" i="0" lang="en-US" sz="1200" u="none" cap="none" strike="noStrike">
+                <a:solidFill>
+                  <a:srgbClr val="898989"/>
+                </a:solidFill>
+                <a:latin typeface="Calibri"/>
+                <a:ea typeface="Calibri"/>
+                <a:cs typeface="Calibri"/>
+                <a:sym typeface="Calibri"/>
+              </a:rPr>
+              <a:t>@</a:t>
+            </a:r>
+            <a:r>
+              <a:rPr lang="en-US"/>
+              <a:t>Walter Yu</a:t>
+            </a:r>
+            <a:endParaRPr/>
+          </a:p>
+        </p:txBody>
+      </p:sp>
+      <p:sp>
+        <p:nvSpPr>
+          <p:cNvPr id="178" name="Google Shape;178;p22"/>
+          <p:cNvSpPr txBox="1"/>
+          <p:nvPr>
+            <p:ph idx="12" type="sldNum"/>
+          </p:nvPr>
+        </p:nvSpPr>
+        <p:spPr>
+          <a:xfrm>
+            <a:off x="6553200" y="6356350"/>
+            <a:ext cx="2133600" cy="365100"/>
+          </a:xfrm>
+          <a:prstGeom prst="rect">
+            <a:avLst/>
+          </a:prstGeom>
+          <a:noFill/>
+          <a:ln>
+            <a:noFill/>
+          </a:ln>
+        </p:spPr>
+        <p:txBody>
+          <a:bodyPr anchorCtr="0" anchor="ctr" bIns="45700" lIns="91425" spcFirstLastPara="1" rIns="91425" wrap="square" tIns="45700">
+            <a:noAutofit/>
+          </a:bodyPr>
+          <a:lstStyle/>
+          <a:p>
+            <a:pPr indent="0" lvl="0" marL="0" rtl="0" algn="r">
+              <a:spcBef>
+                <a:spcPts val="0"/>
+              </a:spcBef>
+              <a:spcAft>
+                <a:spcPts val="0"/>
+              </a:spcAft>
+              <a:buNone/>
+            </a:pPr>
+            <a:fld id="{00000000-1234-1234-1234-123412341234}" type="slidenum">
+              <a:rPr lang="en-US"/>
+              <a:t>‹#›</a:t>
+            </a:fld>
+            <a:endParaRPr/>
+          </a:p>
+        </p:txBody>
+      </p:sp>
+      <p:pic>
+        <p:nvPicPr>
+          <p:cNvPr id="179" name="Google Shape;179;p22"/>
+          <p:cNvPicPr preferRelativeResize="0"/>
+          <p:nvPr/>
+        </p:nvPicPr>
+        <p:blipFill>
+          <a:blip r:embed="rId3">
+            <a:alphaModFix/>
+          </a:blip>
+          <a:stretch>
+            <a:fillRect/>
+          </a:stretch>
+        </p:blipFill>
+        <p:spPr>
+          <a:xfrm>
+            <a:off x="3064250" y="1270989"/>
+            <a:ext cx="5927350" cy="4316032"/>
+          </a:xfrm>
+          <a:prstGeom prst="rect">
+            <a:avLst/>
+          </a:prstGeom>
+          <a:noFill/>
+          <a:ln>
+            <a:noFill/>
+          </a:ln>
+        </p:spPr>
+      </p:pic>
     </p:spTree>
   </p:cSld>
   <p:clrMapOvr>
